--- a/그래프와 세션.pptx
+++ b/그래프와 세션.pptx
@@ -19,7 +19,8 @@
     <p:sldId id="363" r:id="rId13"/>
     <p:sldId id="360" r:id="rId14"/>
     <p:sldId id="361" r:id="rId15"/>
-    <p:sldId id="307" r:id="rId16"/>
+    <p:sldId id="367" r:id="rId16"/>
+    <p:sldId id="307" r:id="rId17"/>
   </p:sldIdLst>
   <p:sldSz cx="12192000" cy="6858000"/>
   <p:notesSz cx="6858000" cy="9144000"/>
@@ -255,7 +256,7 @@
           <a:p>
             <a:fld id="{5B3AD1D6-AE87-C841-B3FD-7C9F7FCAE5AE}" type="datetimeFigureOut">
               <a:rPr lang="en-US" smtClean="0"/>
-              <a:t>12/26/19</a:t>
+              <a:t>1/7/20</a:t>
             </a:fld>
             <a:endParaRPr lang="en-US"/>
           </a:p>
@@ -423,7 +424,7 @@
           <a:p>
             <a:fld id="{5B3AD1D6-AE87-C841-B3FD-7C9F7FCAE5AE}" type="datetimeFigureOut">
               <a:rPr lang="en-US" smtClean="0"/>
-              <a:t>12/26/19</a:t>
+              <a:t>1/7/20</a:t>
             </a:fld>
             <a:endParaRPr lang="en-US"/>
           </a:p>
@@ -601,7 +602,7 @@
           <a:p>
             <a:fld id="{5B3AD1D6-AE87-C841-B3FD-7C9F7FCAE5AE}" type="datetimeFigureOut">
               <a:rPr lang="en-US" smtClean="0"/>
-              <a:t>12/26/19</a:t>
+              <a:t>1/7/20</a:t>
             </a:fld>
             <a:endParaRPr lang="en-US"/>
           </a:p>
@@ -769,7 +770,7 @@
           <a:p>
             <a:fld id="{5B3AD1D6-AE87-C841-B3FD-7C9F7FCAE5AE}" type="datetimeFigureOut">
               <a:rPr lang="en-US" smtClean="0"/>
-              <a:t>12/26/19</a:t>
+              <a:t>1/7/20</a:t>
             </a:fld>
             <a:endParaRPr lang="en-US"/>
           </a:p>
@@ -1014,7 +1015,7 @@
           <a:p>
             <a:fld id="{5B3AD1D6-AE87-C841-B3FD-7C9F7FCAE5AE}" type="datetimeFigureOut">
               <a:rPr lang="en-US" smtClean="0"/>
-              <a:t>12/26/19</a:t>
+              <a:t>1/7/20</a:t>
             </a:fld>
             <a:endParaRPr lang="en-US"/>
           </a:p>
@@ -1243,7 +1244,7 @@
           <a:p>
             <a:fld id="{5B3AD1D6-AE87-C841-B3FD-7C9F7FCAE5AE}" type="datetimeFigureOut">
               <a:rPr lang="en-US" smtClean="0"/>
-              <a:t>12/26/19</a:t>
+              <a:t>1/7/20</a:t>
             </a:fld>
             <a:endParaRPr lang="en-US"/>
           </a:p>
@@ -1607,7 +1608,7 @@
           <a:p>
             <a:fld id="{5B3AD1D6-AE87-C841-B3FD-7C9F7FCAE5AE}" type="datetimeFigureOut">
               <a:rPr lang="en-US" smtClean="0"/>
-              <a:t>12/26/19</a:t>
+              <a:t>1/7/20</a:t>
             </a:fld>
             <a:endParaRPr lang="en-US"/>
           </a:p>
@@ -1724,7 +1725,7 @@
           <a:p>
             <a:fld id="{5B3AD1D6-AE87-C841-B3FD-7C9F7FCAE5AE}" type="datetimeFigureOut">
               <a:rPr lang="en-US" smtClean="0"/>
-              <a:t>12/26/19</a:t>
+              <a:t>1/7/20</a:t>
             </a:fld>
             <a:endParaRPr lang="en-US"/>
           </a:p>
@@ -1819,7 +1820,7 @@
           <a:p>
             <a:fld id="{5B3AD1D6-AE87-C841-B3FD-7C9F7FCAE5AE}" type="datetimeFigureOut">
               <a:rPr lang="en-US" smtClean="0"/>
-              <a:t>12/26/19</a:t>
+              <a:t>1/7/20</a:t>
             </a:fld>
             <a:endParaRPr lang="en-US"/>
           </a:p>
@@ -2094,7 +2095,7 @@
           <a:p>
             <a:fld id="{5B3AD1D6-AE87-C841-B3FD-7C9F7FCAE5AE}" type="datetimeFigureOut">
               <a:rPr lang="en-US" smtClean="0"/>
-              <a:t>12/26/19</a:t>
+              <a:t>1/7/20</a:t>
             </a:fld>
             <a:endParaRPr lang="en-US"/>
           </a:p>
@@ -2346,7 +2347,7 @@
           <a:p>
             <a:fld id="{5B3AD1D6-AE87-C841-B3FD-7C9F7FCAE5AE}" type="datetimeFigureOut">
               <a:rPr lang="en-US" smtClean="0"/>
-              <a:t>12/26/19</a:t>
+              <a:t>1/7/20</a:t>
             </a:fld>
             <a:endParaRPr lang="en-US"/>
           </a:p>
@@ -2557,7 +2558,7 @@
           <a:p>
             <a:fld id="{5B3AD1D6-AE87-C841-B3FD-7C9F7FCAE5AE}" type="datetimeFigureOut">
               <a:rPr lang="en-US" smtClean="0"/>
-              <a:t>12/26/19</a:t>
+              <a:t>1/7/20</a:t>
             </a:fld>
             <a:endParaRPr lang="en-US"/>
           </a:p>
@@ -2984,83 +2985,179 @@
           </a:bodyPr>
           <a:lstStyle/>
           <a:p>
-            <a:br>
-              <a:rPr lang="en-US" sz="4000" dirty="0">
-                <a:latin typeface="Arial Black" charset="0"/>
-                <a:ea typeface="Arial Black" charset="0"/>
-                <a:cs typeface="Arial Black" charset="0"/>
-              </a:rPr>
-            </a:br>
-            <a:br>
-              <a:rPr lang="en-US" sz="4000" dirty="0">
-                <a:latin typeface="Arial Black" charset="0"/>
-                <a:ea typeface="Arial Black" charset="0"/>
-                <a:cs typeface="Arial Black" charset="0"/>
-              </a:rPr>
-            </a:br>
-            <a:br>
-              <a:rPr lang="en-US" sz="4000" dirty="0">
-                <a:latin typeface="Arial Black" charset="0"/>
-                <a:ea typeface="Arial Black" charset="0"/>
-                <a:cs typeface="Arial Black" charset="0"/>
-              </a:rPr>
-            </a:br>
-            <a:br>
-              <a:rPr lang="en-US" sz="4000" dirty="0">
-                <a:latin typeface="Arial Black" charset="0"/>
-                <a:ea typeface="Arial Black" charset="0"/>
-                <a:cs typeface="Arial Black" charset="0"/>
-              </a:rPr>
-            </a:br>
-            <a:br>
-              <a:rPr lang="en-US" sz="4000" dirty="0">
-                <a:latin typeface="Arial Black" charset="0"/>
-                <a:ea typeface="Arial Black" charset="0"/>
-                <a:cs typeface="Arial Black" charset="0"/>
-              </a:rPr>
-            </a:br>
-            <a:br>
-              <a:rPr lang="en-US" sz="4000" dirty="0">
-                <a:latin typeface="Arial Black" charset="0"/>
-                <a:ea typeface="Arial Black" charset="0"/>
-                <a:cs typeface="Arial Black" charset="0"/>
-              </a:rPr>
-            </a:br>
-            <a:br>
-              <a:rPr lang="en-US" sz="4000" dirty="0">
-                <a:latin typeface="Arial Black" charset="0"/>
-                <a:ea typeface="Arial Black" charset="0"/>
-                <a:cs typeface="Arial Black" charset="0"/>
-              </a:rPr>
-            </a:br>
-            <a:br>
-              <a:rPr lang="en-US" sz="4000" dirty="0">
-                <a:latin typeface="Arial Black" charset="0"/>
-                <a:ea typeface="Arial Black" charset="0"/>
-                <a:cs typeface="Arial Black" charset="0"/>
-              </a:rPr>
-            </a:br>
-            <a:br>
-              <a:rPr lang="en-US" sz="4000" dirty="0">
-                <a:latin typeface="Arial Black" charset="0"/>
-                <a:ea typeface="Arial Black" charset="0"/>
-                <a:cs typeface="Arial Black" charset="0"/>
-              </a:rPr>
-            </a:br>
-            <a:br>
-              <a:rPr lang="en-US" sz="4000" dirty="0">
-                <a:latin typeface="Arial Black" charset="0"/>
-                <a:ea typeface="Arial Black" charset="0"/>
-                <a:cs typeface="Arial Black" charset="0"/>
-              </a:rPr>
-            </a:br>
-            <a:br>
-              <a:rPr lang="en-US" sz="4000" dirty="0">
-                <a:latin typeface="Arial Black" charset="0"/>
-                <a:ea typeface="Arial Black" charset="0"/>
-                <a:cs typeface="Arial Black" charset="0"/>
-              </a:rPr>
-            </a:br>
+            <a:r>
+              <a:rPr lang="en-US" sz="4000" dirty="0">
+                <a:latin typeface="Arial Black" charset="0"/>
+                <a:ea typeface="Arial Black" charset="0"/>
+                <a:cs typeface="Arial Black" charset="0"/>
+              </a:rPr>
+              <a:t/>
+            </a:r>
+            <a:br>
+              <a:rPr lang="en-US" sz="4000" dirty="0">
+                <a:latin typeface="Arial Black" charset="0"/>
+                <a:ea typeface="Arial Black" charset="0"/>
+                <a:cs typeface="Arial Black" charset="0"/>
+              </a:rPr>
+            </a:br>
+            <a:r>
+              <a:rPr lang="en-US" sz="4000" dirty="0">
+                <a:latin typeface="Arial Black" charset="0"/>
+                <a:ea typeface="Arial Black" charset="0"/>
+                <a:cs typeface="Arial Black" charset="0"/>
+              </a:rPr>
+              <a:t/>
+            </a:r>
+            <a:br>
+              <a:rPr lang="en-US" sz="4000" dirty="0">
+                <a:latin typeface="Arial Black" charset="0"/>
+                <a:ea typeface="Arial Black" charset="0"/>
+                <a:cs typeface="Arial Black" charset="0"/>
+              </a:rPr>
+            </a:br>
+            <a:r>
+              <a:rPr lang="en-US" sz="4000" dirty="0">
+                <a:latin typeface="Arial Black" charset="0"/>
+                <a:ea typeface="Arial Black" charset="0"/>
+                <a:cs typeface="Arial Black" charset="0"/>
+              </a:rPr>
+              <a:t/>
+            </a:r>
+            <a:br>
+              <a:rPr lang="en-US" sz="4000" dirty="0">
+                <a:latin typeface="Arial Black" charset="0"/>
+                <a:ea typeface="Arial Black" charset="0"/>
+                <a:cs typeface="Arial Black" charset="0"/>
+              </a:rPr>
+            </a:br>
+            <a:r>
+              <a:rPr lang="en-US" sz="4000" dirty="0">
+                <a:latin typeface="Arial Black" charset="0"/>
+                <a:ea typeface="Arial Black" charset="0"/>
+                <a:cs typeface="Arial Black" charset="0"/>
+              </a:rPr>
+              <a:t/>
+            </a:r>
+            <a:br>
+              <a:rPr lang="en-US" sz="4000" dirty="0">
+                <a:latin typeface="Arial Black" charset="0"/>
+                <a:ea typeface="Arial Black" charset="0"/>
+                <a:cs typeface="Arial Black" charset="0"/>
+              </a:rPr>
+            </a:br>
+            <a:r>
+              <a:rPr lang="en-US" sz="4000" dirty="0">
+                <a:latin typeface="Arial Black" charset="0"/>
+                <a:ea typeface="Arial Black" charset="0"/>
+                <a:cs typeface="Arial Black" charset="0"/>
+              </a:rPr>
+              <a:t/>
+            </a:r>
+            <a:br>
+              <a:rPr lang="en-US" sz="4000" dirty="0">
+                <a:latin typeface="Arial Black" charset="0"/>
+                <a:ea typeface="Arial Black" charset="0"/>
+                <a:cs typeface="Arial Black" charset="0"/>
+              </a:rPr>
+            </a:br>
+            <a:r>
+              <a:rPr lang="en-US" sz="4000" dirty="0">
+                <a:latin typeface="Arial Black" charset="0"/>
+                <a:ea typeface="Arial Black" charset="0"/>
+                <a:cs typeface="Arial Black" charset="0"/>
+              </a:rPr>
+              <a:t/>
+            </a:r>
+            <a:br>
+              <a:rPr lang="en-US" sz="4000" dirty="0">
+                <a:latin typeface="Arial Black" charset="0"/>
+                <a:ea typeface="Arial Black" charset="0"/>
+                <a:cs typeface="Arial Black" charset="0"/>
+              </a:rPr>
+            </a:br>
+            <a:r>
+              <a:rPr lang="en-US" sz="4000" dirty="0">
+                <a:latin typeface="Arial Black" charset="0"/>
+                <a:ea typeface="Arial Black" charset="0"/>
+                <a:cs typeface="Arial Black" charset="0"/>
+              </a:rPr>
+              <a:t/>
+            </a:r>
+            <a:br>
+              <a:rPr lang="en-US" sz="4000" dirty="0">
+                <a:latin typeface="Arial Black" charset="0"/>
+                <a:ea typeface="Arial Black" charset="0"/>
+                <a:cs typeface="Arial Black" charset="0"/>
+              </a:rPr>
+            </a:br>
+            <a:r>
+              <a:rPr lang="en-US" sz="4000" dirty="0">
+                <a:latin typeface="Arial Black" charset="0"/>
+                <a:ea typeface="Arial Black" charset="0"/>
+                <a:cs typeface="Arial Black" charset="0"/>
+              </a:rPr>
+              <a:t/>
+            </a:r>
+            <a:br>
+              <a:rPr lang="en-US" sz="4000" dirty="0">
+                <a:latin typeface="Arial Black" charset="0"/>
+                <a:ea typeface="Arial Black" charset="0"/>
+                <a:cs typeface="Arial Black" charset="0"/>
+              </a:rPr>
+            </a:br>
+            <a:r>
+              <a:rPr lang="en-US" sz="4000" dirty="0">
+                <a:latin typeface="Arial Black" charset="0"/>
+                <a:ea typeface="Arial Black" charset="0"/>
+                <a:cs typeface="Arial Black" charset="0"/>
+              </a:rPr>
+              <a:t/>
+            </a:r>
+            <a:br>
+              <a:rPr lang="en-US" sz="4000" dirty="0">
+                <a:latin typeface="Arial Black" charset="0"/>
+                <a:ea typeface="Arial Black" charset="0"/>
+                <a:cs typeface="Arial Black" charset="0"/>
+              </a:rPr>
+            </a:br>
+            <a:r>
+              <a:rPr lang="en-US" sz="4000" dirty="0">
+                <a:latin typeface="Arial Black" charset="0"/>
+                <a:ea typeface="Arial Black" charset="0"/>
+                <a:cs typeface="Arial Black" charset="0"/>
+              </a:rPr>
+              <a:t/>
+            </a:r>
+            <a:br>
+              <a:rPr lang="en-US" sz="4000" dirty="0">
+                <a:latin typeface="Arial Black" charset="0"/>
+                <a:ea typeface="Arial Black" charset="0"/>
+                <a:cs typeface="Arial Black" charset="0"/>
+              </a:rPr>
+            </a:br>
+            <a:r>
+              <a:rPr lang="en-US" sz="4000" dirty="0">
+                <a:latin typeface="Arial Black" charset="0"/>
+                <a:ea typeface="Arial Black" charset="0"/>
+                <a:cs typeface="Arial Black" charset="0"/>
+              </a:rPr>
+              <a:t/>
+            </a:r>
+            <a:br>
+              <a:rPr lang="en-US" sz="4000" dirty="0">
+                <a:latin typeface="Arial Black" charset="0"/>
+                <a:ea typeface="Arial Black" charset="0"/>
+                <a:cs typeface="Arial Black" charset="0"/>
+              </a:rPr>
+            </a:br>
+            <a:r>
+              <a:rPr lang="en-US" sz="4400" dirty="0">
+                <a:latin typeface="Arial Black" charset="0"/>
+                <a:ea typeface="Arial Black" charset="0"/>
+                <a:cs typeface="Arial Black" charset="0"/>
+              </a:rPr>
+              <a:t/>
+            </a:r>
             <a:br>
               <a:rPr lang="en-US" sz="4400" dirty="0">
                 <a:latin typeface="Arial Black" charset="0"/>
@@ -3184,83 +3281,179 @@
           </a:bodyPr>
           <a:lstStyle/>
           <a:p>
-            <a:br>
-              <a:rPr lang="en-US" sz="4000" dirty="0">
-                <a:latin typeface="Arial Black" charset="0"/>
-                <a:ea typeface="Arial Black" charset="0"/>
-                <a:cs typeface="Arial Black" charset="0"/>
-              </a:rPr>
-            </a:br>
-            <a:br>
-              <a:rPr lang="en-US" sz="4000" dirty="0">
-                <a:latin typeface="Arial Black" charset="0"/>
-                <a:ea typeface="Arial Black" charset="0"/>
-                <a:cs typeface="Arial Black" charset="0"/>
-              </a:rPr>
-            </a:br>
-            <a:br>
-              <a:rPr lang="en-US" sz="4000" dirty="0">
-                <a:latin typeface="Arial Black" charset="0"/>
-                <a:ea typeface="Arial Black" charset="0"/>
-                <a:cs typeface="Arial Black" charset="0"/>
-              </a:rPr>
-            </a:br>
-            <a:br>
-              <a:rPr lang="en-US" sz="4000" dirty="0">
-                <a:latin typeface="Arial Black" charset="0"/>
-                <a:ea typeface="Arial Black" charset="0"/>
-                <a:cs typeface="Arial Black" charset="0"/>
-              </a:rPr>
-            </a:br>
-            <a:br>
-              <a:rPr lang="en-US" sz="4000" dirty="0">
-                <a:latin typeface="Arial Black" charset="0"/>
-                <a:ea typeface="Arial Black" charset="0"/>
-                <a:cs typeface="Arial Black" charset="0"/>
-              </a:rPr>
-            </a:br>
-            <a:br>
-              <a:rPr lang="en-US" sz="4000" dirty="0">
-                <a:latin typeface="Arial Black" charset="0"/>
-                <a:ea typeface="Arial Black" charset="0"/>
-                <a:cs typeface="Arial Black" charset="0"/>
-              </a:rPr>
-            </a:br>
-            <a:br>
-              <a:rPr lang="en-US" sz="4000" dirty="0">
-                <a:latin typeface="Arial Black" charset="0"/>
-                <a:ea typeface="Arial Black" charset="0"/>
-                <a:cs typeface="Arial Black" charset="0"/>
-              </a:rPr>
-            </a:br>
-            <a:br>
-              <a:rPr lang="en-US" sz="4000" dirty="0">
-                <a:latin typeface="Arial Black" charset="0"/>
-                <a:ea typeface="Arial Black" charset="0"/>
-                <a:cs typeface="Arial Black" charset="0"/>
-              </a:rPr>
-            </a:br>
-            <a:br>
-              <a:rPr lang="en-US" sz="4000" dirty="0">
-                <a:latin typeface="Arial Black" charset="0"/>
-                <a:ea typeface="Arial Black" charset="0"/>
-                <a:cs typeface="Arial Black" charset="0"/>
-              </a:rPr>
-            </a:br>
-            <a:br>
-              <a:rPr lang="en-US" sz="4000" dirty="0">
-                <a:latin typeface="Arial Black" charset="0"/>
-                <a:ea typeface="Arial Black" charset="0"/>
-                <a:cs typeface="Arial Black" charset="0"/>
-              </a:rPr>
-            </a:br>
-            <a:br>
-              <a:rPr lang="en-US" sz="4000" dirty="0">
-                <a:latin typeface="Arial Black" charset="0"/>
-                <a:ea typeface="Arial Black" charset="0"/>
-                <a:cs typeface="Arial Black" charset="0"/>
-              </a:rPr>
-            </a:br>
+            <a:r>
+              <a:rPr lang="en-US" sz="4000" dirty="0">
+                <a:latin typeface="Arial Black" charset="0"/>
+                <a:ea typeface="Arial Black" charset="0"/>
+                <a:cs typeface="Arial Black" charset="0"/>
+              </a:rPr>
+              <a:t/>
+            </a:r>
+            <a:br>
+              <a:rPr lang="en-US" sz="4000" dirty="0">
+                <a:latin typeface="Arial Black" charset="0"/>
+                <a:ea typeface="Arial Black" charset="0"/>
+                <a:cs typeface="Arial Black" charset="0"/>
+              </a:rPr>
+            </a:br>
+            <a:r>
+              <a:rPr lang="en-US" sz="4000" dirty="0">
+                <a:latin typeface="Arial Black" charset="0"/>
+                <a:ea typeface="Arial Black" charset="0"/>
+                <a:cs typeface="Arial Black" charset="0"/>
+              </a:rPr>
+              <a:t/>
+            </a:r>
+            <a:br>
+              <a:rPr lang="en-US" sz="4000" dirty="0">
+                <a:latin typeface="Arial Black" charset="0"/>
+                <a:ea typeface="Arial Black" charset="0"/>
+                <a:cs typeface="Arial Black" charset="0"/>
+              </a:rPr>
+            </a:br>
+            <a:r>
+              <a:rPr lang="en-US" sz="4000" dirty="0">
+                <a:latin typeface="Arial Black" charset="0"/>
+                <a:ea typeface="Arial Black" charset="0"/>
+                <a:cs typeface="Arial Black" charset="0"/>
+              </a:rPr>
+              <a:t/>
+            </a:r>
+            <a:br>
+              <a:rPr lang="en-US" sz="4000" dirty="0">
+                <a:latin typeface="Arial Black" charset="0"/>
+                <a:ea typeface="Arial Black" charset="0"/>
+                <a:cs typeface="Arial Black" charset="0"/>
+              </a:rPr>
+            </a:br>
+            <a:r>
+              <a:rPr lang="en-US" sz="4000" dirty="0">
+                <a:latin typeface="Arial Black" charset="0"/>
+                <a:ea typeface="Arial Black" charset="0"/>
+                <a:cs typeface="Arial Black" charset="0"/>
+              </a:rPr>
+              <a:t/>
+            </a:r>
+            <a:br>
+              <a:rPr lang="en-US" sz="4000" dirty="0">
+                <a:latin typeface="Arial Black" charset="0"/>
+                <a:ea typeface="Arial Black" charset="0"/>
+                <a:cs typeface="Arial Black" charset="0"/>
+              </a:rPr>
+            </a:br>
+            <a:r>
+              <a:rPr lang="en-US" sz="4000" dirty="0">
+                <a:latin typeface="Arial Black" charset="0"/>
+                <a:ea typeface="Arial Black" charset="0"/>
+                <a:cs typeface="Arial Black" charset="0"/>
+              </a:rPr>
+              <a:t/>
+            </a:r>
+            <a:br>
+              <a:rPr lang="en-US" sz="4000" dirty="0">
+                <a:latin typeface="Arial Black" charset="0"/>
+                <a:ea typeface="Arial Black" charset="0"/>
+                <a:cs typeface="Arial Black" charset="0"/>
+              </a:rPr>
+            </a:br>
+            <a:r>
+              <a:rPr lang="en-US" sz="4000" dirty="0">
+                <a:latin typeface="Arial Black" charset="0"/>
+                <a:ea typeface="Arial Black" charset="0"/>
+                <a:cs typeface="Arial Black" charset="0"/>
+              </a:rPr>
+              <a:t/>
+            </a:r>
+            <a:br>
+              <a:rPr lang="en-US" sz="4000" dirty="0">
+                <a:latin typeface="Arial Black" charset="0"/>
+                <a:ea typeface="Arial Black" charset="0"/>
+                <a:cs typeface="Arial Black" charset="0"/>
+              </a:rPr>
+            </a:br>
+            <a:r>
+              <a:rPr lang="en-US" sz="4000" dirty="0">
+                <a:latin typeface="Arial Black" charset="0"/>
+                <a:ea typeface="Arial Black" charset="0"/>
+                <a:cs typeface="Arial Black" charset="0"/>
+              </a:rPr>
+              <a:t/>
+            </a:r>
+            <a:br>
+              <a:rPr lang="en-US" sz="4000" dirty="0">
+                <a:latin typeface="Arial Black" charset="0"/>
+                <a:ea typeface="Arial Black" charset="0"/>
+                <a:cs typeface="Arial Black" charset="0"/>
+              </a:rPr>
+            </a:br>
+            <a:r>
+              <a:rPr lang="en-US" sz="4000" dirty="0">
+                <a:latin typeface="Arial Black" charset="0"/>
+                <a:ea typeface="Arial Black" charset="0"/>
+                <a:cs typeface="Arial Black" charset="0"/>
+              </a:rPr>
+              <a:t/>
+            </a:r>
+            <a:br>
+              <a:rPr lang="en-US" sz="4000" dirty="0">
+                <a:latin typeface="Arial Black" charset="0"/>
+                <a:ea typeface="Arial Black" charset="0"/>
+                <a:cs typeface="Arial Black" charset="0"/>
+              </a:rPr>
+            </a:br>
+            <a:r>
+              <a:rPr lang="en-US" sz="4000" dirty="0">
+                <a:latin typeface="Arial Black" charset="0"/>
+                <a:ea typeface="Arial Black" charset="0"/>
+                <a:cs typeface="Arial Black" charset="0"/>
+              </a:rPr>
+              <a:t/>
+            </a:r>
+            <a:br>
+              <a:rPr lang="en-US" sz="4000" dirty="0">
+                <a:latin typeface="Arial Black" charset="0"/>
+                <a:ea typeface="Arial Black" charset="0"/>
+                <a:cs typeface="Arial Black" charset="0"/>
+              </a:rPr>
+            </a:br>
+            <a:r>
+              <a:rPr lang="en-US" sz="4000" dirty="0">
+                <a:latin typeface="Arial Black" charset="0"/>
+                <a:ea typeface="Arial Black" charset="0"/>
+                <a:cs typeface="Arial Black" charset="0"/>
+              </a:rPr>
+              <a:t/>
+            </a:r>
+            <a:br>
+              <a:rPr lang="en-US" sz="4000" dirty="0">
+                <a:latin typeface="Arial Black" charset="0"/>
+                <a:ea typeface="Arial Black" charset="0"/>
+                <a:cs typeface="Arial Black" charset="0"/>
+              </a:rPr>
+            </a:br>
+            <a:r>
+              <a:rPr lang="en-US" sz="4000" dirty="0">
+                <a:latin typeface="Arial Black" charset="0"/>
+                <a:ea typeface="Arial Black" charset="0"/>
+                <a:cs typeface="Arial Black" charset="0"/>
+              </a:rPr>
+              <a:t/>
+            </a:r>
+            <a:br>
+              <a:rPr lang="en-US" sz="4000" dirty="0">
+                <a:latin typeface="Arial Black" charset="0"/>
+                <a:ea typeface="Arial Black" charset="0"/>
+                <a:cs typeface="Arial Black" charset="0"/>
+              </a:rPr>
+            </a:br>
+            <a:r>
+              <a:rPr lang="en-US" sz="4400" dirty="0">
+                <a:latin typeface="Arial Black" charset="0"/>
+                <a:ea typeface="Arial Black" charset="0"/>
+                <a:cs typeface="Arial Black" charset="0"/>
+              </a:rPr>
+              <a:t/>
+            </a:r>
             <a:br>
               <a:rPr lang="en-US" sz="4400" dirty="0">
                 <a:latin typeface="Arial Black" charset="0"/>
@@ -3330,7 +3523,7 @@
           <p:cNvPr id="3" name="Picture 2" descr="A screenshot of a cell phone&#10;&#10;Description automatically generated">
             <a:extLst>
               <a:ext uri="{FF2B5EF4-FFF2-40B4-BE49-F238E27FC236}">
-                <a16:creationId xmlns:a16="http://schemas.microsoft.com/office/drawing/2014/main" id="{A98E6254-3C25-BE4F-B5F3-3E9DA2A015B3}"/>
+                <a16:creationId xmlns="" xmlns:a16="http://schemas.microsoft.com/office/drawing/2014/main" id="{A98E6254-3C25-BE4F-B5F3-3E9DA2A015B3}"/>
               </a:ext>
             </a:extLst>
           </p:cNvPr>
@@ -3407,83 +3600,179 @@
           </a:bodyPr>
           <a:lstStyle/>
           <a:p>
-            <a:br>
-              <a:rPr lang="en-US" sz="4000" dirty="0">
-                <a:latin typeface="Arial Black" charset="0"/>
-                <a:ea typeface="Arial Black" charset="0"/>
-                <a:cs typeface="Arial Black" charset="0"/>
-              </a:rPr>
-            </a:br>
-            <a:br>
-              <a:rPr lang="en-US" sz="4000" dirty="0">
-                <a:latin typeface="Arial Black" charset="0"/>
-                <a:ea typeface="Arial Black" charset="0"/>
-                <a:cs typeface="Arial Black" charset="0"/>
-              </a:rPr>
-            </a:br>
-            <a:br>
-              <a:rPr lang="en-US" sz="4000" dirty="0">
-                <a:latin typeface="Arial Black" charset="0"/>
-                <a:ea typeface="Arial Black" charset="0"/>
-                <a:cs typeface="Arial Black" charset="0"/>
-              </a:rPr>
-            </a:br>
-            <a:br>
-              <a:rPr lang="en-US" sz="4000" dirty="0">
-                <a:latin typeface="Arial Black" charset="0"/>
-                <a:ea typeface="Arial Black" charset="0"/>
-                <a:cs typeface="Arial Black" charset="0"/>
-              </a:rPr>
-            </a:br>
-            <a:br>
-              <a:rPr lang="en-US" sz="4000" dirty="0">
-                <a:latin typeface="Arial Black" charset="0"/>
-                <a:ea typeface="Arial Black" charset="0"/>
-                <a:cs typeface="Arial Black" charset="0"/>
-              </a:rPr>
-            </a:br>
-            <a:br>
-              <a:rPr lang="en-US" sz="4000" dirty="0">
-                <a:latin typeface="Arial Black" charset="0"/>
-                <a:ea typeface="Arial Black" charset="0"/>
-                <a:cs typeface="Arial Black" charset="0"/>
-              </a:rPr>
-            </a:br>
-            <a:br>
-              <a:rPr lang="en-US" sz="4000" dirty="0">
-                <a:latin typeface="Arial Black" charset="0"/>
-                <a:ea typeface="Arial Black" charset="0"/>
-                <a:cs typeface="Arial Black" charset="0"/>
-              </a:rPr>
-            </a:br>
-            <a:br>
-              <a:rPr lang="en-US" sz="4000" dirty="0">
-                <a:latin typeface="Arial Black" charset="0"/>
-                <a:ea typeface="Arial Black" charset="0"/>
-                <a:cs typeface="Arial Black" charset="0"/>
-              </a:rPr>
-            </a:br>
-            <a:br>
-              <a:rPr lang="en-US" sz="4000" dirty="0">
-                <a:latin typeface="Arial Black" charset="0"/>
-                <a:ea typeface="Arial Black" charset="0"/>
-                <a:cs typeface="Arial Black" charset="0"/>
-              </a:rPr>
-            </a:br>
-            <a:br>
-              <a:rPr lang="en-US" sz="4000" dirty="0">
-                <a:latin typeface="Arial Black" charset="0"/>
-                <a:ea typeface="Arial Black" charset="0"/>
-                <a:cs typeface="Arial Black" charset="0"/>
-              </a:rPr>
-            </a:br>
-            <a:br>
-              <a:rPr lang="en-US" sz="4000" dirty="0">
-                <a:latin typeface="Arial Black" charset="0"/>
-                <a:ea typeface="Arial Black" charset="0"/>
-                <a:cs typeface="Arial Black" charset="0"/>
-              </a:rPr>
-            </a:br>
+            <a:r>
+              <a:rPr lang="en-US" sz="4000" dirty="0">
+                <a:latin typeface="Arial Black" charset="0"/>
+                <a:ea typeface="Arial Black" charset="0"/>
+                <a:cs typeface="Arial Black" charset="0"/>
+              </a:rPr>
+              <a:t/>
+            </a:r>
+            <a:br>
+              <a:rPr lang="en-US" sz="4000" dirty="0">
+                <a:latin typeface="Arial Black" charset="0"/>
+                <a:ea typeface="Arial Black" charset="0"/>
+                <a:cs typeface="Arial Black" charset="0"/>
+              </a:rPr>
+            </a:br>
+            <a:r>
+              <a:rPr lang="en-US" sz="4000" dirty="0">
+                <a:latin typeface="Arial Black" charset="0"/>
+                <a:ea typeface="Arial Black" charset="0"/>
+                <a:cs typeface="Arial Black" charset="0"/>
+              </a:rPr>
+              <a:t/>
+            </a:r>
+            <a:br>
+              <a:rPr lang="en-US" sz="4000" dirty="0">
+                <a:latin typeface="Arial Black" charset="0"/>
+                <a:ea typeface="Arial Black" charset="0"/>
+                <a:cs typeface="Arial Black" charset="0"/>
+              </a:rPr>
+            </a:br>
+            <a:r>
+              <a:rPr lang="en-US" sz="4000" dirty="0">
+                <a:latin typeface="Arial Black" charset="0"/>
+                <a:ea typeface="Arial Black" charset="0"/>
+                <a:cs typeface="Arial Black" charset="0"/>
+              </a:rPr>
+              <a:t/>
+            </a:r>
+            <a:br>
+              <a:rPr lang="en-US" sz="4000" dirty="0">
+                <a:latin typeface="Arial Black" charset="0"/>
+                <a:ea typeface="Arial Black" charset="0"/>
+                <a:cs typeface="Arial Black" charset="0"/>
+              </a:rPr>
+            </a:br>
+            <a:r>
+              <a:rPr lang="en-US" sz="4000" dirty="0">
+                <a:latin typeface="Arial Black" charset="0"/>
+                <a:ea typeface="Arial Black" charset="0"/>
+                <a:cs typeface="Arial Black" charset="0"/>
+              </a:rPr>
+              <a:t/>
+            </a:r>
+            <a:br>
+              <a:rPr lang="en-US" sz="4000" dirty="0">
+                <a:latin typeface="Arial Black" charset="0"/>
+                <a:ea typeface="Arial Black" charset="0"/>
+                <a:cs typeface="Arial Black" charset="0"/>
+              </a:rPr>
+            </a:br>
+            <a:r>
+              <a:rPr lang="en-US" sz="4000" dirty="0">
+                <a:latin typeface="Arial Black" charset="0"/>
+                <a:ea typeface="Arial Black" charset="0"/>
+                <a:cs typeface="Arial Black" charset="0"/>
+              </a:rPr>
+              <a:t/>
+            </a:r>
+            <a:br>
+              <a:rPr lang="en-US" sz="4000" dirty="0">
+                <a:latin typeface="Arial Black" charset="0"/>
+                <a:ea typeface="Arial Black" charset="0"/>
+                <a:cs typeface="Arial Black" charset="0"/>
+              </a:rPr>
+            </a:br>
+            <a:r>
+              <a:rPr lang="en-US" sz="4000" dirty="0">
+                <a:latin typeface="Arial Black" charset="0"/>
+                <a:ea typeface="Arial Black" charset="0"/>
+                <a:cs typeface="Arial Black" charset="0"/>
+              </a:rPr>
+              <a:t/>
+            </a:r>
+            <a:br>
+              <a:rPr lang="en-US" sz="4000" dirty="0">
+                <a:latin typeface="Arial Black" charset="0"/>
+                <a:ea typeface="Arial Black" charset="0"/>
+                <a:cs typeface="Arial Black" charset="0"/>
+              </a:rPr>
+            </a:br>
+            <a:r>
+              <a:rPr lang="en-US" sz="4000" dirty="0">
+                <a:latin typeface="Arial Black" charset="0"/>
+                <a:ea typeface="Arial Black" charset="0"/>
+                <a:cs typeface="Arial Black" charset="0"/>
+              </a:rPr>
+              <a:t/>
+            </a:r>
+            <a:br>
+              <a:rPr lang="en-US" sz="4000" dirty="0">
+                <a:latin typeface="Arial Black" charset="0"/>
+                <a:ea typeface="Arial Black" charset="0"/>
+                <a:cs typeface="Arial Black" charset="0"/>
+              </a:rPr>
+            </a:br>
+            <a:r>
+              <a:rPr lang="en-US" sz="4000" dirty="0">
+                <a:latin typeface="Arial Black" charset="0"/>
+                <a:ea typeface="Arial Black" charset="0"/>
+                <a:cs typeface="Arial Black" charset="0"/>
+              </a:rPr>
+              <a:t/>
+            </a:r>
+            <a:br>
+              <a:rPr lang="en-US" sz="4000" dirty="0">
+                <a:latin typeface="Arial Black" charset="0"/>
+                <a:ea typeface="Arial Black" charset="0"/>
+                <a:cs typeface="Arial Black" charset="0"/>
+              </a:rPr>
+            </a:br>
+            <a:r>
+              <a:rPr lang="en-US" sz="4000" dirty="0">
+                <a:latin typeface="Arial Black" charset="0"/>
+                <a:ea typeface="Arial Black" charset="0"/>
+                <a:cs typeface="Arial Black" charset="0"/>
+              </a:rPr>
+              <a:t/>
+            </a:r>
+            <a:br>
+              <a:rPr lang="en-US" sz="4000" dirty="0">
+                <a:latin typeface="Arial Black" charset="0"/>
+                <a:ea typeface="Arial Black" charset="0"/>
+                <a:cs typeface="Arial Black" charset="0"/>
+              </a:rPr>
+            </a:br>
+            <a:r>
+              <a:rPr lang="en-US" sz="4000" dirty="0">
+                <a:latin typeface="Arial Black" charset="0"/>
+                <a:ea typeface="Arial Black" charset="0"/>
+                <a:cs typeface="Arial Black" charset="0"/>
+              </a:rPr>
+              <a:t/>
+            </a:r>
+            <a:br>
+              <a:rPr lang="en-US" sz="4000" dirty="0">
+                <a:latin typeface="Arial Black" charset="0"/>
+                <a:ea typeface="Arial Black" charset="0"/>
+                <a:cs typeface="Arial Black" charset="0"/>
+              </a:rPr>
+            </a:br>
+            <a:r>
+              <a:rPr lang="en-US" sz="4000" dirty="0">
+                <a:latin typeface="Arial Black" charset="0"/>
+                <a:ea typeface="Arial Black" charset="0"/>
+                <a:cs typeface="Arial Black" charset="0"/>
+              </a:rPr>
+              <a:t/>
+            </a:r>
+            <a:br>
+              <a:rPr lang="en-US" sz="4000" dirty="0">
+                <a:latin typeface="Arial Black" charset="0"/>
+                <a:ea typeface="Arial Black" charset="0"/>
+                <a:cs typeface="Arial Black" charset="0"/>
+              </a:rPr>
+            </a:br>
+            <a:r>
+              <a:rPr lang="en-US" sz="4400" dirty="0">
+                <a:latin typeface="Arial Black" charset="0"/>
+                <a:ea typeface="Arial Black" charset="0"/>
+                <a:cs typeface="Arial Black" charset="0"/>
+              </a:rPr>
+              <a:t/>
+            </a:r>
             <a:br>
               <a:rPr lang="en-US" sz="4400" dirty="0">
                 <a:latin typeface="Arial Black" charset="0"/>
@@ -3553,7 +3842,7 @@
           <p:cNvPr id="3" name="Picture 2" descr="A screenshot of a cell phone&#10;&#10;Description automatically generated">
             <a:extLst>
               <a:ext uri="{FF2B5EF4-FFF2-40B4-BE49-F238E27FC236}">
-                <a16:creationId xmlns:a16="http://schemas.microsoft.com/office/drawing/2014/main" id="{120C3416-9220-9745-A408-F7E9B0DE4D89}"/>
+                <a16:creationId xmlns="" xmlns:a16="http://schemas.microsoft.com/office/drawing/2014/main" id="{120C3416-9220-9745-A408-F7E9B0DE4D89}"/>
               </a:ext>
             </a:extLst>
           </p:cNvPr>
@@ -3613,7 +3902,7 @@
           <p:cNvPr id="3" name="Picture 2" descr="A close up of a map&#10;&#10;Description automatically generated">
             <a:extLst>
               <a:ext uri="{FF2B5EF4-FFF2-40B4-BE49-F238E27FC236}">
-                <a16:creationId xmlns:a16="http://schemas.microsoft.com/office/drawing/2014/main" id="{D0BDEB97-1C18-3049-8332-ADB3E39A3BCD}"/>
+                <a16:creationId xmlns="" xmlns:a16="http://schemas.microsoft.com/office/drawing/2014/main" id="{D0BDEB97-1C18-3049-8332-ADB3E39A3BCD}"/>
               </a:ext>
             </a:extLst>
           </p:cNvPr>
@@ -3676,6 +3965,128 @@
         </p:nvSpPr>
         <p:spPr>
           <a:xfrm>
+            <a:off x="318536" y="939898"/>
+            <a:ext cx="11873464" cy="1323439"/>
+          </a:xfrm>
+          <a:prstGeom prst="rect">
+            <a:avLst/>
+          </a:prstGeom>
+          <a:noFill/>
+        </p:spPr>
+        <p:txBody>
+          <a:bodyPr wrap="square" rtlCol="0">
+            <a:spAutoFit/>
+          </a:bodyPr>
+          <a:lstStyle/>
+          <a:p>
+            <a:pPr algn="ctr"/>
+            <a:endParaRPr lang="en-US" sz="2000" dirty="0">
+              <a:latin typeface="Arial Black" charset="0"/>
+              <a:ea typeface="Arial Black" charset="0"/>
+              <a:cs typeface="Arial Black" charset="0"/>
+            </a:endParaRPr>
+          </a:p>
+          <a:p>
+            <a:pPr marL="457200" indent="-457200">
+              <a:buAutoNum type="arabicPeriod"/>
+            </a:pPr>
+            <a:r>
+              <a:rPr lang="en-US" sz="2000" dirty="0" smtClean="0">
+                <a:latin typeface="Arial Black" charset="0"/>
+                <a:ea typeface="Arial Black" charset="0"/>
+                <a:cs typeface="Arial Black" charset="0"/>
+              </a:rPr>
+              <a:t>Write and run a code to find the slope and intercept of the learned straight line. Do you recover the original slope 2 and intercept 1? Why or why not?</a:t>
+            </a:r>
+          </a:p>
+          <a:p>
+            <a:pPr marL="457200" indent="-457200">
+              <a:buAutoNum type="arabicPeriod"/>
+            </a:pPr>
+            <a:endParaRPr lang="en-US" sz="2000" dirty="0">
+              <a:latin typeface="Arial Black" charset="0"/>
+              <a:ea typeface="Arial Black" charset="0"/>
+              <a:cs typeface="Arial Black" charset="0"/>
+            </a:endParaRPr>
+          </a:p>
+        </p:txBody>
+      </p:sp>
+      <p:sp>
+        <p:nvSpPr>
+          <p:cNvPr id="2" name="TextBox 1"/>
+          <p:cNvSpPr txBox="1"/>
+          <p:nvPr/>
+        </p:nvSpPr>
+        <p:spPr>
+          <a:xfrm>
+            <a:off x="318536" y="232012"/>
+            <a:ext cx="2632452" cy="707886"/>
+          </a:xfrm>
+          <a:prstGeom prst="rect">
+            <a:avLst/>
+          </a:prstGeom>
+          <a:noFill/>
+        </p:spPr>
+        <p:txBody>
+          <a:bodyPr wrap="none" rtlCol="0">
+            <a:spAutoFit/>
+          </a:bodyPr>
+          <a:lstStyle/>
+          <a:p>
+            <a:r>
+              <a:rPr lang="en-US" sz="4000" dirty="0" smtClean="0">
+                <a:latin typeface="Arial Black" charset="0"/>
+                <a:ea typeface="Arial Black" charset="0"/>
+                <a:cs typeface="Arial Black" charset="0"/>
+              </a:rPr>
+              <a:t>Exercise</a:t>
+            </a:r>
+            <a:endParaRPr lang="en-US" sz="4000" dirty="0">
+              <a:latin typeface="Arial Black" charset="0"/>
+              <a:ea typeface="Arial Black" charset="0"/>
+              <a:cs typeface="Arial Black" charset="0"/>
+            </a:endParaRPr>
+          </a:p>
+        </p:txBody>
+      </p:sp>
+    </p:spTree>
+    <p:extLst>
+      <p:ext uri="{BB962C8B-B14F-4D97-AF65-F5344CB8AC3E}">
+        <p14:creationId xmlns:p14="http://schemas.microsoft.com/office/powerpoint/2010/main" val="981231342"/>
+      </p:ext>
+    </p:extLst>
+  </p:cSld>
+  <p:clrMapOvr>
+    <a:masterClrMapping/>
+  </p:clrMapOvr>
+</p:sld>
+</file>
+
+<file path=ppt/slides/slide16.xml><?xml version="1.0" encoding="utf-8"?>
+<p:sld xmlns:a="http://schemas.openxmlformats.org/drawingml/2006/main" xmlns:r="http://schemas.openxmlformats.org/officeDocument/2006/relationships" xmlns:p="http://schemas.openxmlformats.org/presentationml/2006/main">
+  <p:cSld>
+    <p:spTree>
+      <p:nvGrpSpPr>
+        <p:cNvPr id="1" name=""/>
+        <p:cNvGrpSpPr/>
+        <p:nvPr/>
+      </p:nvGrpSpPr>
+      <p:grpSpPr>
+        <a:xfrm>
+          <a:off x="0" y="0"/>
+          <a:ext cx="0" cy="0"/>
+          <a:chOff x="0" y="0"/>
+          <a:chExt cx="0" cy="0"/>
+        </a:xfrm>
+      </p:grpSpPr>
+      <p:sp>
+        <p:nvSpPr>
+          <p:cNvPr id="3" name="TextBox 2"/>
+          <p:cNvSpPr txBox="1"/>
+          <p:nvPr/>
+        </p:nvSpPr>
+        <p:spPr>
+          <a:xfrm>
             <a:off x="1883799" y="1640911"/>
             <a:ext cx="8754321" cy="2862322"/>
           </a:xfrm>
@@ -3899,89 +4310,185 @@
           </a:bodyPr>
           <a:lstStyle/>
           <a:p>
-            <a:br>
-              <a:rPr lang="en-US" sz="4000" dirty="0">
-                <a:latin typeface="Arial Black" charset="0"/>
-                <a:ea typeface="Arial Black" charset="0"/>
-                <a:cs typeface="Arial Black" charset="0"/>
-              </a:rPr>
-            </a:br>
-            <a:br>
-              <a:rPr lang="en-US" sz="4000" dirty="0">
-                <a:latin typeface="Arial Black" charset="0"/>
-                <a:ea typeface="Arial Black" charset="0"/>
-                <a:cs typeface="Arial Black" charset="0"/>
-              </a:rPr>
-            </a:br>
-            <a:br>
-              <a:rPr lang="en-US" sz="4000" dirty="0">
-                <a:latin typeface="Arial Black" charset="0"/>
-                <a:ea typeface="Arial Black" charset="0"/>
-                <a:cs typeface="Arial Black" charset="0"/>
-              </a:rPr>
-            </a:br>
-            <a:br>
-              <a:rPr lang="en-US" sz="4000" dirty="0">
-                <a:latin typeface="Arial Black" charset="0"/>
-                <a:ea typeface="Arial Black" charset="0"/>
-                <a:cs typeface="Arial Black" charset="0"/>
-              </a:rPr>
-            </a:br>
-            <a:br>
-              <a:rPr lang="en-US" sz="4000" dirty="0">
-                <a:latin typeface="Arial Black" charset="0"/>
-                <a:ea typeface="Arial Black" charset="0"/>
-                <a:cs typeface="Arial Black" charset="0"/>
-              </a:rPr>
-            </a:br>
-            <a:br>
-              <a:rPr lang="en-US" sz="4000" dirty="0">
-                <a:latin typeface="Arial Black" charset="0"/>
-                <a:ea typeface="Arial Black" charset="0"/>
-                <a:cs typeface="Arial Black" charset="0"/>
-              </a:rPr>
-            </a:br>
-            <a:br>
-              <a:rPr lang="en-US" sz="4000" dirty="0">
-                <a:latin typeface="Arial Black" charset="0"/>
-                <a:ea typeface="Arial Black" charset="0"/>
-                <a:cs typeface="Arial Black" charset="0"/>
-              </a:rPr>
-            </a:br>
-            <a:br>
-              <a:rPr lang="en-US" sz="4000" dirty="0">
-                <a:latin typeface="Arial Black" charset="0"/>
-                <a:ea typeface="Arial Black" charset="0"/>
-                <a:cs typeface="Arial Black" charset="0"/>
-              </a:rPr>
-            </a:br>
-            <a:br>
-              <a:rPr lang="en-US" sz="4000" dirty="0">
-                <a:latin typeface="Arial Black" charset="0"/>
-                <a:ea typeface="Arial Black" charset="0"/>
-                <a:cs typeface="Arial Black" charset="0"/>
-              </a:rPr>
-            </a:br>
-            <a:br>
-              <a:rPr lang="en-US" sz="4000" dirty="0">
-                <a:latin typeface="Arial Black" charset="0"/>
-                <a:ea typeface="Arial Black" charset="0"/>
-                <a:cs typeface="Arial Black" charset="0"/>
-              </a:rPr>
-            </a:br>
-            <a:br>
-              <a:rPr lang="en-US" sz="4000" dirty="0">
-                <a:latin typeface="Arial Black" charset="0"/>
-                <a:ea typeface="Arial Black" charset="0"/>
-                <a:cs typeface="Arial Black" charset="0"/>
-              </a:rPr>
-            </a:br>
-            <a:br>
+            <a:r>
+              <a:rPr lang="en-US" sz="4000" dirty="0">
+                <a:latin typeface="Arial Black" charset="0"/>
+                <a:ea typeface="Arial Black" charset="0"/>
+                <a:cs typeface="Arial Black" charset="0"/>
+              </a:rPr>
+              <a:t/>
+            </a:r>
+            <a:br>
+              <a:rPr lang="en-US" sz="4000" dirty="0">
+                <a:latin typeface="Arial Black" charset="0"/>
+                <a:ea typeface="Arial Black" charset="0"/>
+                <a:cs typeface="Arial Black" charset="0"/>
+              </a:rPr>
+            </a:br>
+            <a:r>
+              <a:rPr lang="en-US" sz="4000" dirty="0">
+                <a:latin typeface="Arial Black" charset="0"/>
+                <a:ea typeface="Arial Black" charset="0"/>
+                <a:cs typeface="Arial Black" charset="0"/>
+              </a:rPr>
+              <a:t/>
+            </a:r>
+            <a:br>
+              <a:rPr lang="en-US" sz="4000" dirty="0">
+                <a:latin typeface="Arial Black" charset="0"/>
+                <a:ea typeface="Arial Black" charset="0"/>
+                <a:cs typeface="Arial Black" charset="0"/>
+              </a:rPr>
+            </a:br>
+            <a:r>
+              <a:rPr lang="en-US" sz="4000" dirty="0">
+                <a:latin typeface="Arial Black" charset="0"/>
+                <a:ea typeface="Arial Black" charset="0"/>
+                <a:cs typeface="Arial Black" charset="0"/>
+              </a:rPr>
+              <a:t/>
+            </a:r>
+            <a:br>
+              <a:rPr lang="en-US" sz="4000" dirty="0">
+                <a:latin typeface="Arial Black" charset="0"/>
+                <a:ea typeface="Arial Black" charset="0"/>
+                <a:cs typeface="Arial Black" charset="0"/>
+              </a:rPr>
+            </a:br>
+            <a:r>
+              <a:rPr lang="en-US" sz="4000" dirty="0">
+                <a:latin typeface="Arial Black" charset="0"/>
+                <a:ea typeface="Arial Black" charset="0"/>
+                <a:cs typeface="Arial Black" charset="0"/>
+              </a:rPr>
+              <a:t/>
+            </a:r>
+            <a:br>
+              <a:rPr lang="en-US" sz="4000" dirty="0">
+                <a:latin typeface="Arial Black" charset="0"/>
+                <a:ea typeface="Arial Black" charset="0"/>
+                <a:cs typeface="Arial Black" charset="0"/>
+              </a:rPr>
+            </a:br>
+            <a:r>
+              <a:rPr lang="en-US" sz="4000" dirty="0">
+                <a:latin typeface="Arial Black" charset="0"/>
+                <a:ea typeface="Arial Black" charset="0"/>
+                <a:cs typeface="Arial Black" charset="0"/>
+              </a:rPr>
+              <a:t/>
+            </a:r>
+            <a:br>
+              <a:rPr lang="en-US" sz="4000" dirty="0">
+                <a:latin typeface="Arial Black" charset="0"/>
+                <a:ea typeface="Arial Black" charset="0"/>
+                <a:cs typeface="Arial Black" charset="0"/>
+              </a:rPr>
+            </a:br>
+            <a:r>
+              <a:rPr lang="en-US" sz="4000" dirty="0">
+                <a:latin typeface="Arial Black" charset="0"/>
+                <a:ea typeface="Arial Black" charset="0"/>
+                <a:cs typeface="Arial Black" charset="0"/>
+              </a:rPr>
+              <a:t/>
+            </a:r>
+            <a:br>
+              <a:rPr lang="en-US" sz="4000" dirty="0">
+                <a:latin typeface="Arial Black" charset="0"/>
+                <a:ea typeface="Arial Black" charset="0"/>
+                <a:cs typeface="Arial Black" charset="0"/>
+              </a:rPr>
+            </a:br>
+            <a:r>
+              <a:rPr lang="en-US" sz="4000" dirty="0">
+                <a:latin typeface="Arial Black" charset="0"/>
+                <a:ea typeface="Arial Black" charset="0"/>
+                <a:cs typeface="Arial Black" charset="0"/>
+              </a:rPr>
+              <a:t/>
+            </a:r>
+            <a:br>
+              <a:rPr lang="en-US" sz="4000" dirty="0">
+                <a:latin typeface="Arial Black" charset="0"/>
+                <a:ea typeface="Arial Black" charset="0"/>
+                <a:cs typeface="Arial Black" charset="0"/>
+              </a:rPr>
+            </a:br>
+            <a:r>
+              <a:rPr lang="en-US" sz="4000" dirty="0">
+                <a:latin typeface="Arial Black" charset="0"/>
+                <a:ea typeface="Arial Black" charset="0"/>
+                <a:cs typeface="Arial Black" charset="0"/>
+              </a:rPr>
+              <a:t/>
+            </a:r>
+            <a:br>
+              <a:rPr lang="en-US" sz="4000" dirty="0">
+                <a:latin typeface="Arial Black" charset="0"/>
+                <a:ea typeface="Arial Black" charset="0"/>
+                <a:cs typeface="Arial Black" charset="0"/>
+              </a:rPr>
+            </a:br>
+            <a:r>
+              <a:rPr lang="en-US" sz="4000" dirty="0">
+                <a:latin typeface="Arial Black" charset="0"/>
+                <a:ea typeface="Arial Black" charset="0"/>
+                <a:cs typeface="Arial Black" charset="0"/>
+              </a:rPr>
+              <a:t/>
+            </a:r>
+            <a:br>
+              <a:rPr lang="en-US" sz="4000" dirty="0">
+                <a:latin typeface="Arial Black" charset="0"/>
+                <a:ea typeface="Arial Black" charset="0"/>
+                <a:cs typeface="Arial Black" charset="0"/>
+              </a:rPr>
+            </a:br>
+            <a:r>
+              <a:rPr lang="en-US" sz="4000" dirty="0">
+                <a:latin typeface="Arial Black" charset="0"/>
+                <a:ea typeface="Arial Black" charset="0"/>
+                <a:cs typeface="Arial Black" charset="0"/>
+              </a:rPr>
+              <a:t/>
+            </a:r>
+            <a:br>
+              <a:rPr lang="en-US" sz="4000" dirty="0">
+                <a:latin typeface="Arial Black" charset="0"/>
+                <a:ea typeface="Arial Black" charset="0"/>
+                <a:cs typeface="Arial Black" charset="0"/>
+              </a:rPr>
+            </a:br>
+            <a:r>
+              <a:rPr lang="en-US" sz="4000" dirty="0">
+                <a:latin typeface="Arial Black" charset="0"/>
+                <a:ea typeface="Arial Black" charset="0"/>
+                <a:cs typeface="Arial Black" charset="0"/>
+              </a:rPr>
+              <a:t/>
+            </a:r>
+            <a:br>
+              <a:rPr lang="en-US" sz="4000" dirty="0">
+                <a:latin typeface="Arial Black" charset="0"/>
+                <a:ea typeface="Arial Black" charset="0"/>
+                <a:cs typeface="Arial Black" charset="0"/>
+              </a:rPr>
+            </a:br>
+            <a:r>
               <a:rPr lang="en-US" sz="4400" dirty="0">
                 <a:latin typeface="Arial Black" charset="0"/>
                 <a:ea typeface="Arial Black" charset="0"/>
                 <a:cs typeface="Arial Black" charset="0"/>
               </a:rPr>
+              <a:t/>
+            </a:r>
+            <a:br>
+              <a:rPr lang="en-US" sz="4400" dirty="0">
+                <a:latin typeface="Arial Black" charset="0"/>
+                <a:ea typeface="Arial Black" charset="0"/>
+                <a:cs typeface="Arial Black" charset="0"/>
+              </a:rPr>
             </a:br>
             <a:r>
               <a:rPr lang="en-US" sz="6700" dirty="0">
@@ -3991,20 +4498,36 @@
               </a:rPr>
               <a:t> </a:t>
             </a:r>
-            <a:br>
+            <a:r>
+              <a:rPr lang="en-US" sz="6700">
+                <a:latin typeface="Arial Black" charset="0"/>
+                <a:ea typeface="Arial Black" charset="0"/>
+                <a:cs typeface="Arial Black" charset="0"/>
+              </a:rPr>
+              <a:t/>
+            </a:r>
+            <a:br>
+              <a:rPr lang="en-US" sz="6700">
+                <a:latin typeface="Arial Black" charset="0"/>
+                <a:ea typeface="Arial Black" charset="0"/>
+                <a:cs typeface="Arial Black" charset="0"/>
+              </a:rPr>
+            </a:br>
+            <a:r>
+              <a:rPr lang="en-US" sz="6700" smtClean="0">
+                <a:latin typeface="Arial Black" charset="0"/>
+                <a:ea typeface="Arial Black" charset="0"/>
+                <a:cs typeface="Arial Black" charset="0"/>
+              </a:rPr>
+              <a:t>Warm </a:t>
+            </a:r>
+            <a:r>
               <a:rPr lang="en-US" sz="6700" dirty="0">
                 <a:latin typeface="Arial Black" charset="0"/>
                 <a:ea typeface="Arial Black" charset="0"/>
                 <a:cs typeface="Arial Black" charset="0"/>
               </a:rPr>
-            </a:br>
-            <a:r>
-              <a:rPr lang="en-US" sz="6700" dirty="0">
-                <a:latin typeface="Arial Black" charset="0"/>
-                <a:ea typeface="Arial Black" charset="0"/>
-                <a:cs typeface="Arial Black" charset="0"/>
-              </a:rPr>
-              <a:t>Worm Up</a:t>
+              <a:t>Up</a:t>
             </a:r>
             <a:endParaRPr lang="en-US" dirty="0"/>
           </a:p>
@@ -4045,7 +4568,7 @@
           <p:cNvPr id="5" name="Picture 4" descr="A screenshot of a cell phone&#10;&#10;Description automatically generated">
             <a:extLst>
               <a:ext uri="{FF2B5EF4-FFF2-40B4-BE49-F238E27FC236}">
-                <a16:creationId xmlns:a16="http://schemas.microsoft.com/office/drawing/2014/main" id="{79AE01E3-FF37-E147-BBD1-FA4A580A4FC5}"/>
+                <a16:creationId xmlns="" xmlns:a16="http://schemas.microsoft.com/office/drawing/2014/main" id="{79AE01E3-FF37-E147-BBD1-FA4A580A4FC5}"/>
               </a:ext>
             </a:extLst>
           </p:cNvPr>
@@ -4105,7 +4628,7 @@
           <p:cNvPr id="3" name="Picture 2" descr="A screenshot of a cell phone&#10;&#10;Description automatically generated">
             <a:extLst>
               <a:ext uri="{FF2B5EF4-FFF2-40B4-BE49-F238E27FC236}">
-                <a16:creationId xmlns:a16="http://schemas.microsoft.com/office/drawing/2014/main" id="{955D5564-BA59-F948-BF1D-059787083C6D}"/>
+                <a16:creationId xmlns="" xmlns:a16="http://schemas.microsoft.com/office/drawing/2014/main" id="{955D5564-BA59-F948-BF1D-059787083C6D}"/>
               </a:ext>
             </a:extLst>
           </p:cNvPr>
@@ -4182,83 +4705,179 @@
           </a:bodyPr>
           <a:lstStyle/>
           <a:p>
-            <a:br>
-              <a:rPr lang="en-US" sz="4000" dirty="0">
-                <a:latin typeface="Arial Black" charset="0"/>
-                <a:ea typeface="Arial Black" charset="0"/>
-                <a:cs typeface="Arial Black" charset="0"/>
-              </a:rPr>
-            </a:br>
-            <a:br>
-              <a:rPr lang="en-US" sz="4000" dirty="0">
-                <a:latin typeface="Arial Black" charset="0"/>
-                <a:ea typeface="Arial Black" charset="0"/>
-                <a:cs typeface="Arial Black" charset="0"/>
-              </a:rPr>
-            </a:br>
-            <a:br>
-              <a:rPr lang="en-US" sz="4000" dirty="0">
-                <a:latin typeface="Arial Black" charset="0"/>
-                <a:ea typeface="Arial Black" charset="0"/>
-                <a:cs typeface="Arial Black" charset="0"/>
-              </a:rPr>
-            </a:br>
-            <a:br>
-              <a:rPr lang="en-US" sz="4000" dirty="0">
-                <a:latin typeface="Arial Black" charset="0"/>
-                <a:ea typeface="Arial Black" charset="0"/>
-                <a:cs typeface="Arial Black" charset="0"/>
-              </a:rPr>
-            </a:br>
-            <a:br>
-              <a:rPr lang="en-US" sz="4000" dirty="0">
-                <a:latin typeface="Arial Black" charset="0"/>
-                <a:ea typeface="Arial Black" charset="0"/>
-                <a:cs typeface="Arial Black" charset="0"/>
-              </a:rPr>
-            </a:br>
-            <a:br>
-              <a:rPr lang="en-US" sz="4000" dirty="0">
-                <a:latin typeface="Arial Black" charset="0"/>
-                <a:ea typeface="Arial Black" charset="0"/>
-                <a:cs typeface="Arial Black" charset="0"/>
-              </a:rPr>
-            </a:br>
-            <a:br>
-              <a:rPr lang="en-US" sz="4000" dirty="0">
-                <a:latin typeface="Arial Black" charset="0"/>
-                <a:ea typeface="Arial Black" charset="0"/>
-                <a:cs typeface="Arial Black" charset="0"/>
-              </a:rPr>
-            </a:br>
-            <a:br>
-              <a:rPr lang="en-US" sz="4000" dirty="0">
-                <a:latin typeface="Arial Black" charset="0"/>
-                <a:ea typeface="Arial Black" charset="0"/>
-                <a:cs typeface="Arial Black" charset="0"/>
-              </a:rPr>
-            </a:br>
-            <a:br>
-              <a:rPr lang="en-US" sz="4000" dirty="0">
-                <a:latin typeface="Arial Black" charset="0"/>
-                <a:ea typeface="Arial Black" charset="0"/>
-                <a:cs typeface="Arial Black" charset="0"/>
-              </a:rPr>
-            </a:br>
-            <a:br>
-              <a:rPr lang="en-US" sz="4000" dirty="0">
-                <a:latin typeface="Arial Black" charset="0"/>
-                <a:ea typeface="Arial Black" charset="0"/>
-                <a:cs typeface="Arial Black" charset="0"/>
-              </a:rPr>
-            </a:br>
-            <a:br>
-              <a:rPr lang="en-US" sz="4000" dirty="0">
-                <a:latin typeface="Arial Black" charset="0"/>
-                <a:ea typeface="Arial Black" charset="0"/>
-                <a:cs typeface="Arial Black" charset="0"/>
-              </a:rPr>
-            </a:br>
+            <a:r>
+              <a:rPr lang="en-US" sz="4000" dirty="0">
+                <a:latin typeface="Arial Black" charset="0"/>
+                <a:ea typeface="Arial Black" charset="0"/>
+                <a:cs typeface="Arial Black" charset="0"/>
+              </a:rPr>
+              <a:t/>
+            </a:r>
+            <a:br>
+              <a:rPr lang="en-US" sz="4000" dirty="0">
+                <a:latin typeface="Arial Black" charset="0"/>
+                <a:ea typeface="Arial Black" charset="0"/>
+                <a:cs typeface="Arial Black" charset="0"/>
+              </a:rPr>
+            </a:br>
+            <a:r>
+              <a:rPr lang="en-US" sz="4000" dirty="0">
+                <a:latin typeface="Arial Black" charset="0"/>
+                <a:ea typeface="Arial Black" charset="0"/>
+                <a:cs typeface="Arial Black" charset="0"/>
+              </a:rPr>
+              <a:t/>
+            </a:r>
+            <a:br>
+              <a:rPr lang="en-US" sz="4000" dirty="0">
+                <a:latin typeface="Arial Black" charset="0"/>
+                <a:ea typeface="Arial Black" charset="0"/>
+                <a:cs typeface="Arial Black" charset="0"/>
+              </a:rPr>
+            </a:br>
+            <a:r>
+              <a:rPr lang="en-US" sz="4000" dirty="0">
+                <a:latin typeface="Arial Black" charset="0"/>
+                <a:ea typeface="Arial Black" charset="0"/>
+                <a:cs typeface="Arial Black" charset="0"/>
+              </a:rPr>
+              <a:t/>
+            </a:r>
+            <a:br>
+              <a:rPr lang="en-US" sz="4000" dirty="0">
+                <a:latin typeface="Arial Black" charset="0"/>
+                <a:ea typeface="Arial Black" charset="0"/>
+                <a:cs typeface="Arial Black" charset="0"/>
+              </a:rPr>
+            </a:br>
+            <a:r>
+              <a:rPr lang="en-US" sz="4000" dirty="0">
+                <a:latin typeface="Arial Black" charset="0"/>
+                <a:ea typeface="Arial Black" charset="0"/>
+                <a:cs typeface="Arial Black" charset="0"/>
+              </a:rPr>
+              <a:t/>
+            </a:r>
+            <a:br>
+              <a:rPr lang="en-US" sz="4000" dirty="0">
+                <a:latin typeface="Arial Black" charset="0"/>
+                <a:ea typeface="Arial Black" charset="0"/>
+                <a:cs typeface="Arial Black" charset="0"/>
+              </a:rPr>
+            </a:br>
+            <a:r>
+              <a:rPr lang="en-US" sz="4000" dirty="0">
+                <a:latin typeface="Arial Black" charset="0"/>
+                <a:ea typeface="Arial Black" charset="0"/>
+                <a:cs typeface="Arial Black" charset="0"/>
+              </a:rPr>
+              <a:t/>
+            </a:r>
+            <a:br>
+              <a:rPr lang="en-US" sz="4000" dirty="0">
+                <a:latin typeface="Arial Black" charset="0"/>
+                <a:ea typeface="Arial Black" charset="0"/>
+                <a:cs typeface="Arial Black" charset="0"/>
+              </a:rPr>
+            </a:br>
+            <a:r>
+              <a:rPr lang="en-US" sz="4000" dirty="0">
+                <a:latin typeface="Arial Black" charset="0"/>
+                <a:ea typeface="Arial Black" charset="0"/>
+                <a:cs typeface="Arial Black" charset="0"/>
+              </a:rPr>
+              <a:t/>
+            </a:r>
+            <a:br>
+              <a:rPr lang="en-US" sz="4000" dirty="0">
+                <a:latin typeface="Arial Black" charset="0"/>
+                <a:ea typeface="Arial Black" charset="0"/>
+                <a:cs typeface="Arial Black" charset="0"/>
+              </a:rPr>
+            </a:br>
+            <a:r>
+              <a:rPr lang="en-US" sz="4000" dirty="0">
+                <a:latin typeface="Arial Black" charset="0"/>
+                <a:ea typeface="Arial Black" charset="0"/>
+                <a:cs typeface="Arial Black" charset="0"/>
+              </a:rPr>
+              <a:t/>
+            </a:r>
+            <a:br>
+              <a:rPr lang="en-US" sz="4000" dirty="0">
+                <a:latin typeface="Arial Black" charset="0"/>
+                <a:ea typeface="Arial Black" charset="0"/>
+                <a:cs typeface="Arial Black" charset="0"/>
+              </a:rPr>
+            </a:br>
+            <a:r>
+              <a:rPr lang="en-US" sz="4000" dirty="0">
+                <a:latin typeface="Arial Black" charset="0"/>
+                <a:ea typeface="Arial Black" charset="0"/>
+                <a:cs typeface="Arial Black" charset="0"/>
+              </a:rPr>
+              <a:t/>
+            </a:r>
+            <a:br>
+              <a:rPr lang="en-US" sz="4000" dirty="0">
+                <a:latin typeface="Arial Black" charset="0"/>
+                <a:ea typeface="Arial Black" charset="0"/>
+                <a:cs typeface="Arial Black" charset="0"/>
+              </a:rPr>
+            </a:br>
+            <a:r>
+              <a:rPr lang="en-US" sz="4000" dirty="0">
+                <a:latin typeface="Arial Black" charset="0"/>
+                <a:ea typeface="Arial Black" charset="0"/>
+                <a:cs typeface="Arial Black" charset="0"/>
+              </a:rPr>
+              <a:t/>
+            </a:r>
+            <a:br>
+              <a:rPr lang="en-US" sz="4000" dirty="0">
+                <a:latin typeface="Arial Black" charset="0"/>
+                <a:ea typeface="Arial Black" charset="0"/>
+                <a:cs typeface="Arial Black" charset="0"/>
+              </a:rPr>
+            </a:br>
+            <a:r>
+              <a:rPr lang="en-US" sz="4000" dirty="0">
+                <a:latin typeface="Arial Black" charset="0"/>
+                <a:ea typeface="Arial Black" charset="0"/>
+                <a:cs typeface="Arial Black" charset="0"/>
+              </a:rPr>
+              <a:t/>
+            </a:r>
+            <a:br>
+              <a:rPr lang="en-US" sz="4000" dirty="0">
+                <a:latin typeface="Arial Black" charset="0"/>
+                <a:ea typeface="Arial Black" charset="0"/>
+                <a:cs typeface="Arial Black" charset="0"/>
+              </a:rPr>
+            </a:br>
+            <a:r>
+              <a:rPr lang="en-US" sz="4000" dirty="0">
+                <a:latin typeface="Arial Black" charset="0"/>
+                <a:ea typeface="Arial Black" charset="0"/>
+                <a:cs typeface="Arial Black" charset="0"/>
+              </a:rPr>
+              <a:t/>
+            </a:r>
+            <a:br>
+              <a:rPr lang="en-US" sz="4000" dirty="0">
+                <a:latin typeface="Arial Black" charset="0"/>
+                <a:ea typeface="Arial Black" charset="0"/>
+                <a:cs typeface="Arial Black" charset="0"/>
+              </a:rPr>
+            </a:br>
+            <a:r>
+              <a:rPr lang="en-US" sz="4400" dirty="0">
+                <a:latin typeface="Arial Black" charset="0"/>
+                <a:ea typeface="Arial Black" charset="0"/>
+                <a:cs typeface="Arial Black" charset="0"/>
+              </a:rPr>
+              <a:t/>
+            </a:r>
             <a:br>
               <a:rPr lang="en-US" sz="4400" dirty="0">
                 <a:latin typeface="Arial Black" charset="0"/>
@@ -4313,7 +4932,7 @@
           <p:cNvPr id="5" name="Picture 4">
             <a:extLst>
               <a:ext uri="{FF2B5EF4-FFF2-40B4-BE49-F238E27FC236}">
-                <a16:creationId xmlns:a16="http://schemas.microsoft.com/office/drawing/2014/main" id="{1FBDEC81-6950-344C-B42F-A8EBE2922FF2}"/>
+                <a16:creationId xmlns="" xmlns:a16="http://schemas.microsoft.com/office/drawing/2014/main" id="{1FBDEC81-6950-344C-B42F-A8EBE2922FF2}"/>
               </a:ext>
             </a:extLst>
           </p:cNvPr>
@@ -4390,83 +5009,179 @@
           </a:bodyPr>
           <a:lstStyle/>
           <a:p>
-            <a:br>
-              <a:rPr lang="en-US" sz="4000" dirty="0">
-                <a:latin typeface="Arial Black" charset="0"/>
-                <a:ea typeface="Arial Black" charset="0"/>
-                <a:cs typeface="Arial Black" charset="0"/>
-              </a:rPr>
-            </a:br>
-            <a:br>
-              <a:rPr lang="en-US" sz="4000" dirty="0">
-                <a:latin typeface="Arial Black" charset="0"/>
-                <a:ea typeface="Arial Black" charset="0"/>
-                <a:cs typeface="Arial Black" charset="0"/>
-              </a:rPr>
-            </a:br>
-            <a:br>
-              <a:rPr lang="en-US" sz="4000" dirty="0">
-                <a:latin typeface="Arial Black" charset="0"/>
-                <a:ea typeface="Arial Black" charset="0"/>
-                <a:cs typeface="Arial Black" charset="0"/>
-              </a:rPr>
-            </a:br>
-            <a:br>
-              <a:rPr lang="en-US" sz="4000" dirty="0">
-                <a:latin typeface="Arial Black" charset="0"/>
-                <a:ea typeface="Arial Black" charset="0"/>
-                <a:cs typeface="Arial Black" charset="0"/>
-              </a:rPr>
-            </a:br>
-            <a:br>
-              <a:rPr lang="en-US" sz="4000" dirty="0">
-                <a:latin typeface="Arial Black" charset="0"/>
-                <a:ea typeface="Arial Black" charset="0"/>
-                <a:cs typeface="Arial Black" charset="0"/>
-              </a:rPr>
-            </a:br>
-            <a:br>
-              <a:rPr lang="en-US" sz="4000" dirty="0">
-                <a:latin typeface="Arial Black" charset="0"/>
-                <a:ea typeface="Arial Black" charset="0"/>
-                <a:cs typeface="Arial Black" charset="0"/>
-              </a:rPr>
-            </a:br>
-            <a:br>
-              <a:rPr lang="en-US" sz="4000" dirty="0">
-                <a:latin typeface="Arial Black" charset="0"/>
-                <a:ea typeface="Arial Black" charset="0"/>
-                <a:cs typeface="Arial Black" charset="0"/>
-              </a:rPr>
-            </a:br>
-            <a:br>
-              <a:rPr lang="en-US" sz="4000" dirty="0">
-                <a:latin typeface="Arial Black" charset="0"/>
-                <a:ea typeface="Arial Black" charset="0"/>
-                <a:cs typeface="Arial Black" charset="0"/>
-              </a:rPr>
-            </a:br>
-            <a:br>
-              <a:rPr lang="en-US" sz="4000" dirty="0">
-                <a:latin typeface="Arial Black" charset="0"/>
-                <a:ea typeface="Arial Black" charset="0"/>
-                <a:cs typeface="Arial Black" charset="0"/>
-              </a:rPr>
-            </a:br>
-            <a:br>
-              <a:rPr lang="en-US" sz="4000" dirty="0">
-                <a:latin typeface="Arial Black" charset="0"/>
-                <a:ea typeface="Arial Black" charset="0"/>
-                <a:cs typeface="Arial Black" charset="0"/>
-              </a:rPr>
-            </a:br>
-            <a:br>
-              <a:rPr lang="en-US" sz="4000" dirty="0">
-                <a:latin typeface="Arial Black" charset="0"/>
-                <a:ea typeface="Arial Black" charset="0"/>
-                <a:cs typeface="Arial Black" charset="0"/>
-              </a:rPr>
-            </a:br>
+            <a:r>
+              <a:rPr lang="en-US" sz="4000" dirty="0">
+                <a:latin typeface="Arial Black" charset="0"/>
+                <a:ea typeface="Arial Black" charset="0"/>
+                <a:cs typeface="Arial Black" charset="0"/>
+              </a:rPr>
+              <a:t/>
+            </a:r>
+            <a:br>
+              <a:rPr lang="en-US" sz="4000" dirty="0">
+                <a:latin typeface="Arial Black" charset="0"/>
+                <a:ea typeface="Arial Black" charset="0"/>
+                <a:cs typeface="Arial Black" charset="0"/>
+              </a:rPr>
+            </a:br>
+            <a:r>
+              <a:rPr lang="en-US" sz="4000" dirty="0">
+                <a:latin typeface="Arial Black" charset="0"/>
+                <a:ea typeface="Arial Black" charset="0"/>
+                <a:cs typeface="Arial Black" charset="0"/>
+              </a:rPr>
+              <a:t/>
+            </a:r>
+            <a:br>
+              <a:rPr lang="en-US" sz="4000" dirty="0">
+                <a:latin typeface="Arial Black" charset="0"/>
+                <a:ea typeface="Arial Black" charset="0"/>
+                <a:cs typeface="Arial Black" charset="0"/>
+              </a:rPr>
+            </a:br>
+            <a:r>
+              <a:rPr lang="en-US" sz="4000" dirty="0">
+                <a:latin typeface="Arial Black" charset="0"/>
+                <a:ea typeface="Arial Black" charset="0"/>
+                <a:cs typeface="Arial Black" charset="0"/>
+              </a:rPr>
+              <a:t/>
+            </a:r>
+            <a:br>
+              <a:rPr lang="en-US" sz="4000" dirty="0">
+                <a:latin typeface="Arial Black" charset="0"/>
+                <a:ea typeface="Arial Black" charset="0"/>
+                <a:cs typeface="Arial Black" charset="0"/>
+              </a:rPr>
+            </a:br>
+            <a:r>
+              <a:rPr lang="en-US" sz="4000" dirty="0">
+                <a:latin typeface="Arial Black" charset="0"/>
+                <a:ea typeface="Arial Black" charset="0"/>
+                <a:cs typeface="Arial Black" charset="0"/>
+              </a:rPr>
+              <a:t/>
+            </a:r>
+            <a:br>
+              <a:rPr lang="en-US" sz="4000" dirty="0">
+                <a:latin typeface="Arial Black" charset="0"/>
+                <a:ea typeface="Arial Black" charset="0"/>
+                <a:cs typeface="Arial Black" charset="0"/>
+              </a:rPr>
+            </a:br>
+            <a:r>
+              <a:rPr lang="en-US" sz="4000" dirty="0">
+                <a:latin typeface="Arial Black" charset="0"/>
+                <a:ea typeface="Arial Black" charset="0"/>
+                <a:cs typeface="Arial Black" charset="0"/>
+              </a:rPr>
+              <a:t/>
+            </a:r>
+            <a:br>
+              <a:rPr lang="en-US" sz="4000" dirty="0">
+                <a:latin typeface="Arial Black" charset="0"/>
+                <a:ea typeface="Arial Black" charset="0"/>
+                <a:cs typeface="Arial Black" charset="0"/>
+              </a:rPr>
+            </a:br>
+            <a:r>
+              <a:rPr lang="en-US" sz="4000" dirty="0">
+                <a:latin typeface="Arial Black" charset="0"/>
+                <a:ea typeface="Arial Black" charset="0"/>
+                <a:cs typeface="Arial Black" charset="0"/>
+              </a:rPr>
+              <a:t/>
+            </a:r>
+            <a:br>
+              <a:rPr lang="en-US" sz="4000" dirty="0">
+                <a:latin typeface="Arial Black" charset="0"/>
+                <a:ea typeface="Arial Black" charset="0"/>
+                <a:cs typeface="Arial Black" charset="0"/>
+              </a:rPr>
+            </a:br>
+            <a:r>
+              <a:rPr lang="en-US" sz="4000" dirty="0">
+                <a:latin typeface="Arial Black" charset="0"/>
+                <a:ea typeface="Arial Black" charset="0"/>
+                <a:cs typeface="Arial Black" charset="0"/>
+              </a:rPr>
+              <a:t/>
+            </a:r>
+            <a:br>
+              <a:rPr lang="en-US" sz="4000" dirty="0">
+                <a:latin typeface="Arial Black" charset="0"/>
+                <a:ea typeface="Arial Black" charset="0"/>
+                <a:cs typeface="Arial Black" charset="0"/>
+              </a:rPr>
+            </a:br>
+            <a:r>
+              <a:rPr lang="en-US" sz="4000" dirty="0">
+                <a:latin typeface="Arial Black" charset="0"/>
+                <a:ea typeface="Arial Black" charset="0"/>
+                <a:cs typeface="Arial Black" charset="0"/>
+              </a:rPr>
+              <a:t/>
+            </a:r>
+            <a:br>
+              <a:rPr lang="en-US" sz="4000" dirty="0">
+                <a:latin typeface="Arial Black" charset="0"/>
+                <a:ea typeface="Arial Black" charset="0"/>
+                <a:cs typeface="Arial Black" charset="0"/>
+              </a:rPr>
+            </a:br>
+            <a:r>
+              <a:rPr lang="en-US" sz="4000" dirty="0">
+                <a:latin typeface="Arial Black" charset="0"/>
+                <a:ea typeface="Arial Black" charset="0"/>
+                <a:cs typeface="Arial Black" charset="0"/>
+              </a:rPr>
+              <a:t/>
+            </a:r>
+            <a:br>
+              <a:rPr lang="en-US" sz="4000" dirty="0">
+                <a:latin typeface="Arial Black" charset="0"/>
+                <a:ea typeface="Arial Black" charset="0"/>
+                <a:cs typeface="Arial Black" charset="0"/>
+              </a:rPr>
+            </a:br>
+            <a:r>
+              <a:rPr lang="en-US" sz="4000" dirty="0">
+                <a:latin typeface="Arial Black" charset="0"/>
+                <a:ea typeface="Arial Black" charset="0"/>
+                <a:cs typeface="Arial Black" charset="0"/>
+              </a:rPr>
+              <a:t/>
+            </a:r>
+            <a:br>
+              <a:rPr lang="en-US" sz="4000" dirty="0">
+                <a:latin typeface="Arial Black" charset="0"/>
+                <a:ea typeface="Arial Black" charset="0"/>
+                <a:cs typeface="Arial Black" charset="0"/>
+              </a:rPr>
+            </a:br>
+            <a:r>
+              <a:rPr lang="en-US" sz="4000" dirty="0">
+                <a:latin typeface="Arial Black" charset="0"/>
+                <a:ea typeface="Arial Black" charset="0"/>
+                <a:cs typeface="Arial Black" charset="0"/>
+              </a:rPr>
+              <a:t/>
+            </a:r>
+            <a:br>
+              <a:rPr lang="en-US" sz="4000" dirty="0">
+                <a:latin typeface="Arial Black" charset="0"/>
+                <a:ea typeface="Arial Black" charset="0"/>
+                <a:cs typeface="Arial Black" charset="0"/>
+              </a:rPr>
+            </a:br>
+            <a:r>
+              <a:rPr lang="en-US" sz="4400" dirty="0">
+                <a:latin typeface="Arial Black" charset="0"/>
+                <a:ea typeface="Arial Black" charset="0"/>
+                <a:cs typeface="Arial Black" charset="0"/>
+              </a:rPr>
+              <a:t/>
+            </a:r>
             <a:br>
               <a:rPr lang="en-US" sz="4400" dirty="0">
                 <a:latin typeface="Arial Black" charset="0"/>
@@ -4536,7 +5251,7 @@
           <p:cNvPr id="3" name="Picture 2">
             <a:extLst>
               <a:ext uri="{FF2B5EF4-FFF2-40B4-BE49-F238E27FC236}">
-                <a16:creationId xmlns:a16="http://schemas.microsoft.com/office/drawing/2014/main" id="{A071B385-CC55-F54A-9738-A14ADB54BACE}"/>
+                <a16:creationId xmlns="" xmlns:a16="http://schemas.microsoft.com/office/drawing/2014/main" id="{A071B385-CC55-F54A-9738-A14ADB54BACE}"/>
               </a:ext>
             </a:extLst>
           </p:cNvPr>
@@ -4552,8 +5267,8 @@
         </p:blipFill>
         <p:spPr>
           <a:xfrm>
-            <a:off x="81962" y="1301676"/>
-            <a:ext cx="11952052" cy="4227756"/>
+            <a:off x="81962" y="2000821"/>
+            <a:ext cx="11952052" cy="2829465"/>
           </a:xfrm>
           <a:prstGeom prst="rect">
             <a:avLst/>

--- a/그래프와 세션.pptx
+++ b/그래프와 세션.pptx
@@ -6,21 +6,14 @@
   </p:sldMasterIdLst>
   <p:sldIdLst>
     <p:sldId id="256" r:id="rId2"/>
-    <p:sldId id="328" r:id="rId3"/>
+    <p:sldId id="368" r:id="rId3"/>
     <p:sldId id="364" r:id="rId4"/>
     <p:sldId id="352" r:id="rId5"/>
-    <p:sldId id="353" r:id="rId6"/>
-    <p:sldId id="365" r:id="rId7"/>
-    <p:sldId id="366" r:id="rId8"/>
-    <p:sldId id="333" r:id="rId9"/>
-    <p:sldId id="354" r:id="rId10"/>
-    <p:sldId id="334" r:id="rId11"/>
-    <p:sldId id="359" r:id="rId12"/>
-    <p:sldId id="363" r:id="rId13"/>
-    <p:sldId id="360" r:id="rId14"/>
-    <p:sldId id="361" r:id="rId15"/>
-    <p:sldId id="367" r:id="rId16"/>
-    <p:sldId id="307" r:id="rId17"/>
+    <p:sldId id="333" r:id="rId6"/>
+    <p:sldId id="354" r:id="rId7"/>
+    <p:sldId id="334" r:id="rId8"/>
+    <p:sldId id="359" r:id="rId9"/>
+    <p:sldId id="307" r:id="rId10"/>
   </p:sldIdLst>
   <p:sldSz cx="12192000" cy="6858000"/>
   <p:notesSz cx="6858000" cy="9144000"/>
@@ -256,7 +249,7 @@
           <a:p>
             <a:fld id="{5B3AD1D6-AE87-C841-B3FD-7C9F7FCAE5AE}" type="datetimeFigureOut">
               <a:rPr lang="en-US" smtClean="0"/>
-              <a:t>1/7/20</a:t>
+              <a:t>1/18/20</a:t>
             </a:fld>
             <a:endParaRPr lang="en-US"/>
           </a:p>
@@ -424,7 +417,7 @@
           <a:p>
             <a:fld id="{5B3AD1D6-AE87-C841-B3FD-7C9F7FCAE5AE}" type="datetimeFigureOut">
               <a:rPr lang="en-US" smtClean="0"/>
-              <a:t>1/7/20</a:t>
+              <a:t>1/18/20</a:t>
             </a:fld>
             <a:endParaRPr lang="en-US"/>
           </a:p>
@@ -602,7 +595,7 @@
           <a:p>
             <a:fld id="{5B3AD1D6-AE87-C841-B3FD-7C9F7FCAE5AE}" type="datetimeFigureOut">
               <a:rPr lang="en-US" smtClean="0"/>
-              <a:t>1/7/20</a:t>
+              <a:t>1/18/20</a:t>
             </a:fld>
             <a:endParaRPr lang="en-US"/>
           </a:p>
@@ -770,7 +763,7 @@
           <a:p>
             <a:fld id="{5B3AD1D6-AE87-C841-B3FD-7C9F7FCAE5AE}" type="datetimeFigureOut">
               <a:rPr lang="en-US" smtClean="0"/>
-              <a:t>1/7/20</a:t>
+              <a:t>1/18/20</a:t>
             </a:fld>
             <a:endParaRPr lang="en-US"/>
           </a:p>
@@ -1015,7 +1008,7 @@
           <a:p>
             <a:fld id="{5B3AD1D6-AE87-C841-B3FD-7C9F7FCAE5AE}" type="datetimeFigureOut">
               <a:rPr lang="en-US" smtClean="0"/>
-              <a:t>1/7/20</a:t>
+              <a:t>1/18/20</a:t>
             </a:fld>
             <a:endParaRPr lang="en-US"/>
           </a:p>
@@ -1244,7 +1237,7 @@
           <a:p>
             <a:fld id="{5B3AD1D6-AE87-C841-B3FD-7C9F7FCAE5AE}" type="datetimeFigureOut">
               <a:rPr lang="en-US" smtClean="0"/>
-              <a:t>1/7/20</a:t>
+              <a:t>1/18/20</a:t>
             </a:fld>
             <a:endParaRPr lang="en-US"/>
           </a:p>
@@ -1608,7 +1601,7 @@
           <a:p>
             <a:fld id="{5B3AD1D6-AE87-C841-B3FD-7C9F7FCAE5AE}" type="datetimeFigureOut">
               <a:rPr lang="en-US" smtClean="0"/>
-              <a:t>1/7/20</a:t>
+              <a:t>1/18/20</a:t>
             </a:fld>
             <a:endParaRPr lang="en-US"/>
           </a:p>
@@ -1725,7 +1718,7 @@
           <a:p>
             <a:fld id="{5B3AD1D6-AE87-C841-B3FD-7C9F7FCAE5AE}" type="datetimeFigureOut">
               <a:rPr lang="en-US" smtClean="0"/>
-              <a:t>1/7/20</a:t>
+              <a:t>1/18/20</a:t>
             </a:fld>
             <a:endParaRPr lang="en-US"/>
           </a:p>
@@ -1820,7 +1813,7 @@
           <a:p>
             <a:fld id="{5B3AD1D6-AE87-C841-B3FD-7C9F7FCAE5AE}" type="datetimeFigureOut">
               <a:rPr lang="en-US" smtClean="0"/>
-              <a:t>1/7/20</a:t>
+              <a:t>1/18/20</a:t>
             </a:fld>
             <a:endParaRPr lang="en-US"/>
           </a:p>
@@ -2095,7 +2088,7 @@
           <a:p>
             <a:fld id="{5B3AD1D6-AE87-C841-B3FD-7C9F7FCAE5AE}" type="datetimeFigureOut">
               <a:rPr lang="en-US" smtClean="0"/>
-              <a:t>1/7/20</a:t>
+              <a:t>1/18/20</a:t>
             </a:fld>
             <a:endParaRPr lang="en-US"/>
           </a:p>
@@ -2347,7 +2340,7 @@
           <a:p>
             <a:fld id="{5B3AD1D6-AE87-C841-B3FD-7C9F7FCAE5AE}" type="datetimeFigureOut">
               <a:rPr lang="en-US" smtClean="0"/>
-              <a:t>1/7/20</a:t>
+              <a:t>1/18/20</a:t>
             </a:fld>
             <a:endParaRPr lang="en-US"/>
           </a:p>
@@ -2558,7 +2551,7 @@
           <a:p>
             <a:fld id="{5B3AD1D6-AE87-C841-B3FD-7C9F7FCAE5AE}" type="datetimeFigureOut">
               <a:rPr lang="en-US" smtClean="0"/>
-              <a:t>1/7/20</a:t>
+              <a:t>1/18/20</a:t>
             </a:fld>
             <a:endParaRPr lang="en-US"/>
           </a:p>
@@ -3242,909 +3235,6 @@
 </p:sld>
 </file>
 
-<file path=ppt/slides/slide10.xml><?xml version="1.0" encoding="utf-8"?>
-<p:sld xmlns:a="http://schemas.openxmlformats.org/drawingml/2006/main" xmlns:r="http://schemas.openxmlformats.org/officeDocument/2006/relationships" xmlns:p="http://schemas.openxmlformats.org/presentationml/2006/main">
-  <p:cSld>
-    <p:spTree>
-      <p:nvGrpSpPr>
-        <p:cNvPr id="1" name=""/>
-        <p:cNvGrpSpPr/>
-        <p:nvPr/>
-      </p:nvGrpSpPr>
-      <p:grpSpPr>
-        <a:xfrm>
-          <a:off x="0" y="0"/>
-          <a:ext cx="0" cy="0"/>
-          <a:chOff x="0" y="0"/>
-          <a:chExt cx="0" cy="0"/>
-        </a:xfrm>
-      </p:grpSpPr>
-      <p:sp>
-        <p:nvSpPr>
-          <p:cNvPr id="2" name="Title 1"/>
-          <p:cNvSpPr>
-            <a:spLocks noGrp="1"/>
-          </p:cNvSpPr>
-          <p:nvPr>
-            <p:ph type="ctrTitle"/>
-          </p:nvPr>
-        </p:nvSpPr>
-        <p:spPr>
-          <a:xfrm>
-            <a:off x="4093284" y="2961042"/>
-            <a:ext cx="4005431" cy="935915"/>
-          </a:xfrm>
-        </p:spPr>
-        <p:txBody>
-          <a:bodyPr>
-            <a:normAutofit fontScale="90000"/>
-          </a:bodyPr>
-          <a:lstStyle/>
-          <a:p>
-            <a:r>
-              <a:rPr lang="en-US" sz="4000" dirty="0">
-                <a:latin typeface="Arial Black" charset="0"/>
-                <a:ea typeface="Arial Black" charset="0"/>
-                <a:cs typeface="Arial Black" charset="0"/>
-              </a:rPr>
-              <a:t/>
-            </a:r>
-            <a:br>
-              <a:rPr lang="en-US" sz="4000" dirty="0">
-                <a:latin typeface="Arial Black" charset="0"/>
-                <a:ea typeface="Arial Black" charset="0"/>
-                <a:cs typeface="Arial Black" charset="0"/>
-              </a:rPr>
-            </a:br>
-            <a:r>
-              <a:rPr lang="en-US" sz="4000" dirty="0">
-                <a:latin typeface="Arial Black" charset="0"/>
-                <a:ea typeface="Arial Black" charset="0"/>
-                <a:cs typeface="Arial Black" charset="0"/>
-              </a:rPr>
-              <a:t/>
-            </a:r>
-            <a:br>
-              <a:rPr lang="en-US" sz="4000" dirty="0">
-                <a:latin typeface="Arial Black" charset="0"/>
-                <a:ea typeface="Arial Black" charset="0"/>
-                <a:cs typeface="Arial Black" charset="0"/>
-              </a:rPr>
-            </a:br>
-            <a:r>
-              <a:rPr lang="en-US" sz="4000" dirty="0">
-                <a:latin typeface="Arial Black" charset="0"/>
-                <a:ea typeface="Arial Black" charset="0"/>
-                <a:cs typeface="Arial Black" charset="0"/>
-              </a:rPr>
-              <a:t/>
-            </a:r>
-            <a:br>
-              <a:rPr lang="en-US" sz="4000" dirty="0">
-                <a:latin typeface="Arial Black" charset="0"/>
-                <a:ea typeface="Arial Black" charset="0"/>
-                <a:cs typeface="Arial Black" charset="0"/>
-              </a:rPr>
-            </a:br>
-            <a:r>
-              <a:rPr lang="en-US" sz="4000" dirty="0">
-                <a:latin typeface="Arial Black" charset="0"/>
-                <a:ea typeface="Arial Black" charset="0"/>
-                <a:cs typeface="Arial Black" charset="0"/>
-              </a:rPr>
-              <a:t/>
-            </a:r>
-            <a:br>
-              <a:rPr lang="en-US" sz="4000" dirty="0">
-                <a:latin typeface="Arial Black" charset="0"/>
-                <a:ea typeface="Arial Black" charset="0"/>
-                <a:cs typeface="Arial Black" charset="0"/>
-              </a:rPr>
-            </a:br>
-            <a:r>
-              <a:rPr lang="en-US" sz="4000" dirty="0">
-                <a:latin typeface="Arial Black" charset="0"/>
-                <a:ea typeface="Arial Black" charset="0"/>
-                <a:cs typeface="Arial Black" charset="0"/>
-              </a:rPr>
-              <a:t/>
-            </a:r>
-            <a:br>
-              <a:rPr lang="en-US" sz="4000" dirty="0">
-                <a:latin typeface="Arial Black" charset="0"/>
-                <a:ea typeface="Arial Black" charset="0"/>
-                <a:cs typeface="Arial Black" charset="0"/>
-              </a:rPr>
-            </a:br>
-            <a:r>
-              <a:rPr lang="en-US" sz="4000" dirty="0">
-                <a:latin typeface="Arial Black" charset="0"/>
-                <a:ea typeface="Arial Black" charset="0"/>
-                <a:cs typeface="Arial Black" charset="0"/>
-              </a:rPr>
-              <a:t/>
-            </a:r>
-            <a:br>
-              <a:rPr lang="en-US" sz="4000" dirty="0">
-                <a:latin typeface="Arial Black" charset="0"/>
-                <a:ea typeface="Arial Black" charset="0"/>
-                <a:cs typeface="Arial Black" charset="0"/>
-              </a:rPr>
-            </a:br>
-            <a:r>
-              <a:rPr lang="en-US" sz="4000" dirty="0">
-                <a:latin typeface="Arial Black" charset="0"/>
-                <a:ea typeface="Arial Black" charset="0"/>
-                <a:cs typeface="Arial Black" charset="0"/>
-              </a:rPr>
-              <a:t/>
-            </a:r>
-            <a:br>
-              <a:rPr lang="en-US" sz="4000" dirty="0">
-                <a:latin typeface="Arial Black" charset="0"/>
-                <a:ea typeface="Arial Black" charset="0"/>
-                <a:cs typeface="Arial Black" charset="0"/>
-              </a:rPr>
-            </a:br>
-            <a:r>
-              <a:rPr lang="en-US" sz="4000" dirty="0">
-                <a:latin typeface="Arial Black" charset="0"/>
-                <a:ea typeface="Arial Black" charset="0"/>
-                <a:cs typeface="Arial Black" charset="0"/>
-              </a:rPr>
-              <a:t/>
-            </a:r>
-            <a:br>
-              <a:rPr lang="en-US" sz="4000" dirty="0">
-                <a:latin typeface="Arial Black" charset="0"/>
-                <a:ea typeface="Arial Black" charset="0"/>
-                <a:cs typeface="Arial Black" charset="0"/>
-              </a:rPr>
-            </a:br>
-            <a:r>
-              <a:rPr lang="en-US" sz="4000" dirty="0">
-                <a:latin typeface="Arial Black" charset="0"/>
-                <a:ea typeface="Arial Black" charset="0"/>
-                <a:cs typeface="Arial Black" charset="0"/>
-              </a:rPr>
-              <a:t/>
-            </a:r>
-            <a:br>
-              <a:rPr lang="en-US" sz="4000" dirty="0">
-                <a:latin typeface="Arial Black" charset="0"/>
-                <a:ea typeface="Arial Black" charset="0"/>
-                <a:cs typeface="Arial Black" charset="0"/>
-              </a:rPr>
-            </a:br>
-            <a:r>
-              <a:rPr lang="en-US" sz="4000" dirty="0">
-                <a:latin typeface="Arial Black" charset="0"/>
-                <a:ea typeface="Arial Black" charset="0"/>
-                <a:cs typeface="Arial Black" charset="0"/>
-              </a:rPr>
-              <a:t/>
-            </a:r>
-            <a:br>
-              <a:rPr lang="en-US" sz="4000" dirty="0">
-                <a:latin typeface="Arial Black" charset="0"/>
-                <a:ea typeface="Arial Black" charset="0"/>
-                <a:cs typeface="Arial Black" charset="0"/>
-              </a:rPr>
-            </a:br>
-            <a:r>
-              <a:rPr lang="en-US" sz="4000" dirty="0">
-                <a:latin typeface="Arial Black" charset="0"/>
-                <a:ea typeface="Arial Black" charset="0"/>
-                <a:cs typeface="Arial Black" charset="0"/>
-              </a:rPr>
-              <a:t/>
-            </a:r>
-            <a:br>
-              <a:rPr lang="en-US" sz="4000" dirty="0">
-                <a:latin typeface="Arial Black" charset="0"/>
-                <a:ea typeface="Arial Black" charset="0"/>
-                <a:cs typeface="Arial Black" charset="0"/>
-              </a:rPr>
-            </a:br>
-            <a:r>
-              <a:rPr lang="en-US" sz="4400" dirty="0">
-                <a:latin typeface="Arial Black" charset="0"/>
-                <a:ea typeface="Arial Black" charset="0"/>
-                <a:cs typeface="Arial Black" charset="0"/>
-              </a:rPr>
-              <a:t/>
-            </a:r>
-            <a:br>
-              <a:rPr lang="en-US" sz="4400" dirty="0">
-                <a:latin typeface="Arial Black" charset="0"/>
-                <a:ea typeface="Arial Black" charset="0"/>
-                <a:cs typeface="Arial Black" charset="0"/>
-              </a:rPr>
-            </a:br>
-            <a:r>
-              <a:rPr lang="en-US" sz="6700" dirty="0">
-                <a:latin typeface="Arial Black" charset="0"/>
-                <a:ea typeface="Arial Black" charset="0"/>
-                <a:cs typeface="Arial Black" charset="0"/>
-              </a:rPr>
-              <a:t> </a:t>
-            </a:r>
-            <a:br>
-              <a:rPr lang="en-US" sz="6700" dirty="0">
-                <a:latin typeface="Arial Black" charset="0"/>
-                <a:ea typeface="Arial Black" charset="0"/>
-                <a:cs typeface="Arial Black" charset="0"/>
-              </a:rPr>
-            </a:br>
-            <a:r>
-              <a:rPr lang="en-US" sz="6700" dirty="0">
-                <a:latin typeface="Arial Black" charset="0"/>
-                <a:ea typeface="Arial Black" charset="0"/>
-                <a:cs typeface="Arial Black" charset="0"/>
-              </a:rPr>
-              <a:t>Session</a:t>
-            </a:r>
-            <a:endParaRPr lang="en-US" dirty="0"/>
-          </a:p>
-        </p:txBody>
-      </p:sp>
-    </p:spTree>
-    <p:extLst>
-      <p:ext uri="{BB962C8B-B14F-4D97-AF65-F5344CB8AC3E}">
-        <p14:creationId xmlns:p14="http://schemas.microsoft.com/office/powerpoint/2010/main" val="356330295"/>
-      </p:ext>
-    </p:extLst>
-  </p:cSld>
-  <p:clrMapOvr>
-    <a:masterClrMapping/>
-  </p:clrMapOvr>
-</p:sld>
-</file>
-
-<file path=ppt/slides/slide11.xml><?xml version="1.0" encoding="utf-8"?>
-<p:sld xmlns:a="http://schemas.openxmlformats.org/drawingml/2006/main" xmlns:r="http://schemas.openxmlformats.org/officeDocument/2006/relationships" xmlns:p="http://schemas.openxmlformats.org/presentationml/2006/main">
-  <p:cSld>
-    <p:spTree>
-      <p:nvGrpSpPr>
-        <p:cNvPr id="1" name=""/>
-        <p:cNvGrpSpPr/>
-        <p:nvPr/>
-      </p:nvGrpSpPr>
-      <p:grpSpPr>
-        <a:xfrm>
-          <a:off x="0" y="0"/>
-          <a:ext cx="0" cy="0"/>
-          <a:chOff x="0" y="0"/>
-          <a:chExt cx="0" cy="0"/>
-        </a:xfrm>
-      </p:grpSpPr>
-      <p:pic>
-        <p:nvPicPr>
-          <p:cNvPr id="3" name="Picture 2" descr="A screenshot of a cell phone&#10;&#10;Description automatically generated">
-            <a:extLst>
-              <a:ext uri="{FF2B5EF4-FFF2-40B4-BE49-F238E27FC236}">
-                <a16:creationId xmlns="" xmlns:a16="http://schemas.microsoft.com/office/drawing/2014/main" id="{A98E6254-3C25-BE4F-B5F3-3E9DA2A015B3}"/>
-              </a:ext>
-            </a:extLst>
-          </p:cNvPr>
-          <p:cNvPicPr>
-            <a:picLocks noChangeAspect="1"/>
-          </p:cNvPicPr>
-          <p:nvPr/>
-        </p:nvPicPr>
-        <p:blipFill>
-          <a:blip r:embed="rId2"/>
-          <a:stretch>
-            <a:fillRect/>
-          </a:stretch>
-        </p:blipFill>
-        <p:spPr>
-          <a:xfrm>
-            <a:off x="0" y="1157941"/>
-            <a:ext cx="12192000" cy="4542118"/>
-          </a:xfrm>
-          <a:prstGeom prst="rect">
-            <a:avLst/>
-          </a:prstGeom>
-        </p:spPr>
-      </p:pic>
-    </p:spTree>
-    <p:extLst>
-      <p:ext uri="{BB962C8B-B14F-4D97-AF65-F5344CB8AC3E}">
-        <p14:creationId xmlns:p14="http://schemas.microsoft.com/office/powerpoint/2010/main" val="1531251730"/>
-      </p:ext>
-    </p:extLst>
-  </p:cSld>
-  <p:clrMapOvr>
-    <a:masterClrMapping/>
-  </p:clrMapOvr>
-</p:sld>
-</file>
-
-<file path=ppt/slides/slide12.xml><?xml version="1.0" encoding="utf-8"?>
-<p:sld xmlns:a="http://schemas.openxmlformats.org/drawingml/2006/main" xmlns:r="http://schemas.openxmlformats.org/officeDocument/2006/relationships" xmlns:p="http://schemas.openxmlformats.org/presentationml/2006/main">
-  <p:cSld>
-    <p:spTree>
-      <p:nvGrpSpPr>
-        <p:cNvPr id="1" name=""/>
-        <p:cNvGrpSpPr/>
-        <p:nvPr/>
-      </p:nvGrpSpPr>
-      <p:grpSpPr>
-        <a:xfrm>
-          <a:off x="0" y="0"/>
-          <a:ext cx="0" cy="0"/>
-          <a:chOff x="0" y="0"/>
-          <a:chExt cx="0" cy="0"/>
-        </a:xfrm>
-      </p:grpSpPr>
-      <p:sp>
-        <p:nvSpPr>
-          <p:cNvPr id="2" name="Title 1"/>
-          <p:cNvSpPr>
-            <a:spLocks noGrp="1"/>
-          </p:cNvSpPr>
-          <p:nvPr>
-            <p:ph type="ctrTitle"/>
-          </p:nvPr>
-        </p:nvSpPr>
-        <p:spPr>
-          <a:xfrm>
-            <a:off x="3011244" y="2961042"/>
-            <a:ext cx="6169511" cy="935915"/>
-          </a:xfrm>
-        </p:spPr>
-        <p:txBody>
-          <a:bodyPr>
-            <a:normAutofit fontScale="90000"/>
-          </a:bodyPr>
-          <a:lstStyle/>
-          <a:p>
-            <a:r>
-              <a:rPr lang="en-US" sz="4000" dirty="0">
-                <a:latin typeface="Arial Black" charset="0"/>
-                <a:ea typeface="Arial Black" charset="0"/>
-                <a:cs typeface="Arial Black" charset="0"/>
-              </a:rPr>
-              <a:t/>
-            </a:r>
-            <a:br>
-              <a:rPr lang="en-US" sz="4000" dirty="0">
-                <a:latin typeface="Arial Black" charset="0"/>
-                <a:ea typeface="Arial Black" charset="0"/>
-                <a:cs typeface="Arial Black" charset="0"/>
-              </a:rPr>
-            </a:br>
-            <a:r>
-              <a:rPr lang="en-US" sz="4000" dirty="0">
-                <a:latin typeface="Arial Black" charset="0"/>
-                <a:ea typeface="Arial Black" charset="0"/>
-                <a:cs typeface="Arial Black" charset="0"/>
-              </a:rPr>
-              <a:t/>
-            </a:r>
-            <a:br>
-              <a:rPr lang="en-US" sz="4000" dirty="0">
-                <a:latin typeface="Arial Black" charset="0"/>
-                <a:ea typeface="Arial Black" charset="0"/>
-                <a:cs typeface="Arial Black" charset="0"/>
-              </a:rPr>
-            </a:br>
-            <a:r>
-              <a:rPr lang="en-US" sz="4000" dirty="0">
-                <a:latin typeface="Arial Black" charset="0"/>
-                <a:ea typeface="Arial Black" charset="0"/>
-                <a:cs typeface="Arial Black" charset="0"/>
-              </a:rPr>
-              <a:t/>
-            </a:r>
-            <a:br>
-              <a:rPr lang="en-US" sz="4000" dirty="0">
-                <a:latin typeface="Arial Black" charset="0"/>
-                <a:ea typeface="Arial Black" charset="0"/>
-                <a:cs typeface="Arial Black" charset="0"/>
-              </a:rPr>
-            </a:br>
-            <a:r>
-              <a:rPr lang="en-US" sz="4000" dirty="0">
-                <a:latin typeface="Arial Black" charset="0"/>
-                <a:ea typeface="Arial Black" charset="0"/>
-                <a:cs typeface="Arial Black" charset="0"/>
-              </a:rPr>
-              <a:t/>
-            </a:r>
-            <a:br>
-              <a:rPr lang="en-US" sz="4000" dirty="0">
-                <a:latin typeface="Arial Black" charset="0"/>
-                <a:ea typeface="Arial Black" charset="0"/>
-                <a:cs typeface="Arial Black" charset="0"/>
-              </a:rPr>
-            </a:br>
-            <a:r>
-              <a:rPr lang="en-US" sz="4000" dirty="0">
-                <a:latin typeface="Arial Black" charset="0"/>
-                <a:ea typeface="Arial Black" charset="0"/>
-                <a:cs typeface="Arial Black" charset="0"/>
-              </a:rPr>
-              <a:t/>
-            </a:r>
-            <a:br>
-              <a:rPr lang="en-US" sz="4000" dirty="0">
-                <a:latin typeface="Arial Black" charset="0"/>
-                <a:ea typeface="Arial Black" charset="0"/>
-                <a:cs typeface="Arial Black" charset="0"/>
-              </a:rPr>
-            </a:br>
-            <a:r>
-              <a:rPr lang="en-US" sz="4000" dirty="0">
-                <a:latin typeface="Arial Black" charset="0"/>
-                <a:ea typeface="Arial Black" charset="0"/>
-                <a:cs typeface="Arial Black" charset="0"/>
-              </a:rPr>
-              <a:t/>
-            </a:r>
-            <a:br>
-              <a:rPr lang="en-US" sz="4000" dirty="0">
-                <a:latin typeface="Arial Black" charset="0"/>
-                <a:ea typeface="Arial Black" charset="0"/>
-                <a:cs typeface="Arial Black" charset="0"/>
-              </a:rPr>
-            </a:br>
-            <a:r>
-              <a:rPr lang="en-US" sz="4000" dirty="0">
-                <a:latin typeface="Arial Black" charset="0"/>
-                <a:ea typeface="Arial Black" charset="0"/>
-                <a:cs typeface="Arial Black" charset="0"/>
-              </a:rPr>
-              <a:t/>
-            </a:r>
-            <a:br>
-              <a:rPr lang="en-US" sz="4000" dirty="0">
-                <a:latin typeface="Arial Black" charset="0"/>
-                <a:ea typeface="Arial Black" charset="0"/>
-                <a:cs typeface="Arial Black" charset="0"/>
-              </a:rPr>
-            </a:br>
-            <a:r>
-              <a:rPr lang="en-US" sz="4000" dirty="0">
-                <a:latin typeface="Arial Black" charset="0"/>
-                <a:ea typeface="Arial Black" charset="0"/>
-                <a:cs typeface="Arial Black" charset="0"/>
-              </a:rPr>
-              <a:t/>
-            </a:r>
-            <a:br>
-              <a:rPr lang="en-US" sz="4000" dirty="0">
-                <a:latin typeface="Arial Black" charset="0"/>
-                <a:ea typeface="Arial Black" charset="0"/>
-                <a:cs typeface="Arial Black" charset="0"/>
-              </a:rPr>
-            </a:br>
-            <a:r>
-              <a:rPr lang="en-US" sz="4000" dirty="0">
-                <a:latin typeface="Arial Black" charset="0"/>
-                <a:ea typeface="Arial Black" charset="0"/>
-                <a:cs typeface="Arial Black" charset="0"/>
-              </a:rPr>
-              <a:t/>
-            </a:r>
-            <a:br>
-              <a:rPr lang="en-US" sz="4000" dirty="0">
-                <a:latin typeface="Arial Black" charset="0"/>
-                <a:ea typeface="Arial Black" charset="0"/>
-                <a:cs typeface="Arial Black" charset="0"/>
-              </a:rPr>
-            </a:br>
-            <a:r>
-              <a:rPr lang="en-US" sz="4000" dirty="0">
-                <a:latin typeface="Arial Black" charset="0"/>
-                <a:ea typeface="Arial Black" charset="0"/>
-                <a:cs typeface="Arial Black" charset="0"/>
-              </a:rPr>
-              <a:t/>
-            </a:r>
-            <a:br>
-              <a:rPr lang="en-US" sz="4000" dirty="0">
-                <a:latin typeface="Arial Black" charset="0"/>
-                <a:ea typeface="Arial Black" charset="0"/>
-                <a:cs typeface="Arial Black" charset="0"/>
-              </a:rPr>
-            </a:br>
-            <a:r>
-              <a:rPr lang="en-US" sz="4000" dirty="0">
-                <a:latin typeface="Arial Black" charset="0"/>
-                <a:ea typeface="Arial Black" charset="0"/>
-                <a:cs typeface="Arial Black" charset="0"/>
-              </a:rPr>
-              <a:t/>
-            </a:r>
-            <a:br>
-              <a:rPr lang="en-US" sz="4000" dirty="0">
-                <a:latin typeface="Arial Black" charset="0"/>
-                <a:ea typeface="Arial Black" charset="0"/>
-                <a:cs typeface="Arial Black" charset="0"/>
-              </a:rPr>
-            </a:br>
-            <a:r>
-              <a:rPr lang="en-US" sz="4400" dirty="0">
-                <a:latin typeface="Arial Black" charset="0"/>
-                <a:ea typeface="Arial Black" charset="0"/>
-                <a:cs typeface="Arial Black" charset="0"/>
-              </a:rPr>
-              <a:t/>
-            </a:r>
-            <a:br>
-              <a:rPr lang="en-US" sz="4400" dirty="0">
-                <a:latin typeface="Arial Black" charset="0"/>
-                <a:ea typeface="Arial Black" charset="0"/>
-                <a:cs typeface="Arial Black" charset="0"/>
-              </a:rPr>
-            </a:br>
-            <a:r>
-              <a:rPr lang="en-US" sz="6700" dirty="0">
-                <a:latin typeface="Arial Black" charset="0"/>
-                <a:ea typeface="Arial Black" charset="0"/>
-                <a:cs typeface="Arial Black" charset="0"/>
-              </a:rPr>
-              <a:t> </a:t>
-            </a:r>
-            <a:br>
-              <a:rPr lang="en-US" sz="6700" dirty="0">
-                <a:latin typeface="Arial Black" charset="0"/>
-                <a:ea typeface="Arial Black" charset="0"/>
-                <a:cs typeface="Arial Black" charset="0"/>
-              </a:rPr>
-            </a:br>
-            <a:r>
-              <a:rPr lang="en-US" sz="6700" dirty="0">
-                <a:latin typeface="Arial Black" charset="0"/>
-                <a:ea typeface="Arial Black" charset="0"/>
-                <a:cs typeface="Arial Black" charset="0"/>
-              </a:rPr>
-              <a:t>Report Result</a:t>
-            </a:r>
-            <a:endParaRPr lang="en-US" dirty="0"/>
-          </a:p>
-        </p:txBody>
-      </p:sp>
-    </p:spTree>
-    <p:extLst>
-      <p:ext uri="{BB962C8B-B14F-4D97-AF65-F5344CB8AC3E}">
-        <p14:creationId xmlns:p14="http://schemas.microsoft.com/office/powerpoint/2010/main" val="741478977"/>
-      </p:ext>
-    </p:extLst>
-  </p:cSld>
-  <p:clrMapOvr>
-    <a:masterClrMapping/>
-  </p:clrMapOvr>
-</p:sld>
-</file>
-
-<file path=ppt/slides/slide13.xml><?xml version="1.0" encoding="utf-8"?>
-<p:sld xmlns:a="http://schemas.openxmlformats.org/drawingml/2006/main" xmlns:r="http://schemas.openxmlformats.org/officeDocument/2006/relationships" xmlns:p="http://schemas.openxmlformats.org/presentationml/2006/main">
-  <p:cSld>
-    <p:spTree>
-      <p:nvGrpSpPr>
-        <p:cNvPr id="1" name=""/>
-        <p:cNvGrpSpPr/>
-        <p:nvPr/>
-      </p:nvGrpSpPr>
-      <p:grpSpPr>
-        <a:xfrm>
-          <a:off x="0" y="0"/>
-          <a:ext cx="0" cy="0"/>
-          <a:chOff x="0" y="0"/>
-          <a:chExt cx="0" cy="0"/>
-        </a:xfrm>
-      </p:grpSpPr>
-      <p:pic>
-        <p:nvPicPr>
-          <p:cNvPr id="3" name="Picture 2" descr="A screenshot of a cell phone&#10;&#10;Description automatically generated">
-            <a:extLst>
-              <a:ext uri="{FF2B5EF4-FFF2-40B4-BE49-F238E27FC236}">
-                <a16:creationId xmlns="" xmlns:a16="http://schemas.microsoft.com/office/drawing/2014/main" id="{120C3416-9220-9745-A408-F7E9B0DE4D89}"/>
-              </a:ext>
-            </a:extLst>
-          </p:cNvPr>
-          <p:cNvPicPr>
-            <a:picLocks noChangeAspect="1"/>
-          </p:cNvPicPr>
-          <p:nvPr/>
-        </p:nvPicPr>
-        <p:blipFill>
-          <a:blip r:embed="rId2"/>
-          <a:stretch>
-            <a:fillRect/>
-          </a:stretch>
-        </p:blipFill>
-        <p:spPr>
-          <a:xfrm>
-            <a:off x="3352800" y="0"/>
-            <a:ext cx="5486400" cy="6858000"/>
-          </a:xfrm>
-          <a:prstGeom prst="rect">
-            <a:avLst/>
-          </a:prstGeom>
-        </p:spPr>
-      </p:pic>
-    </p:spTree>
-    <p:extLst>
-      <p:ext uri="{BB962C8B-B14F-4D97-AF65-F5344CB8AC3E}">
-        <p14:creationId xmlns:p14="http://schemas.microsoft.com/office/powerpoint/2010/main" val="739261837"/>
-      </p:ext>
-    </p:extLst>
-  </p:cSld>
-  <p:clrMapOvr>
-    <a:masterClrMapping/>
-  </p:clrMapOvr>
-</p:sld>
-</file>
-
-<file path=ppt/slides/slide14.xml><?xml version="1.0" encoding="utf-8"?>
-<p:sld xmlns:a="http://schemas.openxmlformats.org/drawingml/2006/main" xmlns:r="http://schemas.openxmlformats.org/officeDocument/2006/relationships" xmlns:p="http://schemas.openxmlformats.org/presentationml/2006/main">
-  <p:cSld>
-    <p:spTree>
-      <p:nvGrpSpPr>
-        <p:cNvPr id="1" name=""/>
-        <p:cNvGrpSpPr/>
-        <p:nvPr/>
-      </p:nvGrpSpPr>
-      <p:grpSpPr>
-        <a:xfrm>
-          <a:off x="0" y="0"/>
-          <a:ext cx="0" cy="0"/>
-          <a:chOff x="0" y="0"/>
-          <a:chExt cx="0" cy="0"/>
-        </a:xfrm>
-      </p:grpSpPr>
-      <p:pic>
-        <p:nvPicPr>
-          <p:cNvPr id="3" name="Picture 2" descr="A close up of a map&#10;&#10;Description automatically generated">
-            <a:extLst>
-              <a:ext uri="{FF2B5EF4-FFF2-40B4-BE49-F238E27FC236}">
-                <a16:creationId xmlns="" xmlns:a16="http://schemas.microsoft.com/office/drawing/2014/main" id="{D0BDEB97-1C18-3049-8332-ADB3E39A3BCD}"/>
-              </a:ext>
-            </a:extLst>
-          </p:cNvPr>
-          <p:cNvPicPr>
-            <a:picLocks noChangeAspect="1"/>
-          </p:cNvPicPr>
-          <p:nvPr/>
-        </p:nvPicPr>
-        <p:blipFill>
-          <a:blip r:embed="rId2"/>
-          <a:stretch>
-            <a:fillRect/>
-          </a:stretch>
-        </p:blipFill>
-        <p:spPr>
-          <a:xfrm>
-            <a:off x="2235200" y="539750"/>
-            <a:ext cx="7721600" cy="5778500"/>
-          </a:xfrm>
-          <a:prstGeom prst="rect">
-            <a:avLst/>
-          </a:prstGeom>
-        </p:spPr>
-      </p:pic>
-    </p:spTree>
-    <p:extLst>
-      <p:ext uri="{BB962C8B-B14F-4D97-AF65-F5344CB8AC3E}">
-        <p14:creationId xmlns:p14="http://schemas.microsoft.com/office/powerpoint/2010/main" val="3746576860"/>
-      </p:ext>
-    </p:extLst>
-  </p:cSld>
-  <p:clrMapOvr>
-    <a:masterClrMapping/>
-  </p:clrMapOvr>
-</p:sld>
-</file>
-
-<file path=ppt/slides/slide15.xml><?xml version="1.0" encoding="utf-8"?>
-<p:sld xmlns:a="http://schemas.openxmlformats.org/drawingml/2006/main" xmlns:r="http://schemas.openxmlformats.org/officeDocument/2006/relationships" xmlns:p="http://schemas.openxmlformats.org/presentationml/2006/main">
-  <p:cSld>
-    <p:spTree>
-      <p:nvGrpSpPr>
-        <p:cNvPr id="1" name=""/>
-        <p:cNvGrpSpPr/>
-        <p:nvPr/>
-      </p:nvGrpSpPr>
-      <p:grpSpPr>
-        <a:xfrm>
-          <a:off x="0" y="0"/>
-          <a:ext cx="0" cy="0"/>
-          <a:chOff x="0" y="0"/>
-          <a:chExt cx="0" cy="0"/>
-        </a:xfrm>
-      </p:grpSpPr>
-      <p:sp>
-        <p:nvSpPr>
-          <p:cNvPr id="3" name="TextBox 2"/>
-          <p:cNvSpPr txBox="1"/>
-          <p:nvPr/>
-        </p:nvSpPr>
-        <p:spPr>
-          <a:xfrm>
-            <a:off x="318536" y="939898"/>
-            <a:ext cx="11873464" cy="1323439"/>
-          </a:xfrm>
-          <a:prstGeom prst="rect">
-            <a:avLst/>
-          </a:prstGeom>
-          <a:noFill/>
-        </p:spPr>
-        <p:txBody>
-          <a:bodyPr wrap="square" rtlCol="0">
-            <a:spAutoFit/>
-          </a:bodyPr>
-          <a:lstStyle/>
-          <a:p>
-            <a:pPr algn="ctr"/>
-            <a:endParaRPr lang="en-US" sz="2000" dirty="0">
-              <a:latin typeface="Arial Black" charset="0"/>
-              <a:ea typeface="Arial Black" charset="0"/>
-              <a:cs typeface="Arial Black" charset="0"/>
-            </a:endParaRPr>
-          </a:p>
-          <a:p>
-            <a:pPr marL="457200" indent="-457200">
-              <a:buAutoNum type="arabicPeriod"/>
-            </a:pPr>
-            <a:r>
-              <a:rPr lang="en-US" sz="2000" dirty="0" smtClean="0">
-                <a:latin typeface="Arial Black" charset="0"/>
-                <a:ea typeface="Arial Black" charset="0"/>
-                <a:cs typeface="Arial Black" charset="0"/>
-              </a:rPr>
-              <a:t>Write and run a code to find the slope and intercept of the learned straight line. Do you recover the original slope 2 and intercept 1? Why or why not?</a:t>
-            </a:r>
-          </a:p>
-          <a:p>
-            <a:pPr marL="457200" indent="-457200">
-              <a:buAutoNum type="arabicPeriod"/>
-            </a:pPr>
-            <a:endParaRPr lang="en-US" sz="2000" dirty="0">
-              <a:latin typeface="Arial Black" charset="0"/>
-              <a:ea typeface="Arial Black" charset="0"/>
-              <a:cs typeface="Arial Black" charset="0"/>
-            </a:endParaRPr>
-          </a:p>
-        </p:txBody>
-      </p:sp>
-      <p:sp>
-        <p:nvSpPr>
-          <p:cNvPr id="2" name="TextBox 1"/>
-          <p:cNvSpPr txBox="1"/>
-          <p:nvPr/>
-        </p:nvSpPr>
-        <p:spPr>
-          <a:xfrm>
-            <a:off x="318536" y="232012"/>
-            <a:ext cx="2632452" cy="707886"/>
-          </a:xfrm>
-          <a:prstGeom prst="rect">
-            <a:avLst/>
-          </a:prstGeom>
-          <a:noFill/>
-        </p:spPr>
-        <p:txBody>
-          <a:bodyPr wrap="none" rtlCol="0">
-            <a:spAutoFit/>
-          </a:bodyPr>
-          <a:lstStyle/>
-          <a:p>
-            <a:r>
-              <a:rPr lang="en-US" sz="4000" dirty="0" smtClean="0">
-                <a:latin typeface="Arial Black" charset="0"/>
-                <a:ea typeface="Arial Black" charset="0"/>
-                <a:cs typeface="Arial Black" charset="0"/>
-              </a:rPr>
-              <a:t>Exercise</a:t>
-            </a:r>
-            <a:endParaRPr lang="en-US" sz="4000" dirty="0">
-              <a:latin typeface="Arial Black" charset="0"/>
-              <a:ea typeface="Arial Black" charset="0"/>
-              <a:cs typeface="Arial Black" charset="0"/>
-            </a:endParaRPr>
-          </a:p>
-        </p:txBody>
-      </p:sp>
-    </p:spTree>
-    <p:extLst>
-      <p:ext uri="{BB962C8B-B14F-4D97-AF65-F5344CB8AC3E}">
-        <p14:creationId xmlns:p14="http://schemas.microsoft.com/office/powerpoint/2010/main" val="981231342"/>
-      </p:ext>
-    </p:extLst>
-  </p:cSld>
-  <p:clrMapOvr>
-    <a:masterClrMapping/>
-  </p:clrMapOvr>
-</p:sld>
-</file>
-
-<file path=ppt/slides/slide16.xml><?xml version="1.0" encoding="utf-8"?>
-<p:sld xmlns:a="http://schemas.openxmlformats.org/drawingml/2006/main" xmlns:r="http://schemas.openxmlformats.org/officeDocument/2006/relationships" xmlns:p="http://schemas.openxmlformats.org/presentationml/2006/main">
-  <p:cSld>
-    <p:spTree>
-      <p:nvGrpSpPr>
-        <p:cNvPr id="1" name=""/>
-        <p:cNvGrpSpPr/>
-        <p:nvPr/>
-      </p:nvGrpSpPr>
-      <p:grpSpPr>
-        <a:xfrm>
-          <a:off x="0" y="0"/>
-          <a:ext cx="0" cy="0"/>
-          <a:chOff x="0" y="0"/>
-          <a:chExt cx="0" cy="0"/>
-        </a:xfrm>
-      </p:grpSpPr>
-      <p:sp>
-        <p:nvSpPr>
-          <p:cNvPr id="3" name="TextBox 2"/>
-          <p:cNvSpPr txBox="1"/>
-          <p:nvPr/>
-        </p:nvSpPr>
-        <p:spPr>
-          <a:xfrm>
-            <a:off x="1883799" y="1640911"/>
-            <a:ext cx="8754321" cy="2862322"/>
-          </a:xfrm>
-          <a:prstGeom prst="rect">
-            <a:avLst/>
-          </a:prstGeom>
-          <a:noFill/>
-        </p:spPr>
-        <p:txBody>
-          <a:bodyPr wrap="none" rtlCol="0">
-            <a:spAutoFit/>
-          </a:bodyPr>
-          <a:lstStyle/>
-          <a:p>
-            <a:pPr algn="ctr"/>
-            <a:r>
-              <a:rPr lang="en-US" sz="6000" dirty="0">
-                <a:latin typeface="Arial Black" charset="0"/>
-                <a:ea typeface="Arial Black" charset="0"/>
-                <a:cs typeface="Arial Black" charset="0"/>
-              </a:rPr>
-              <a:t>Now</a:t>
-            </a:r>
-          </a:p>
-          <a:p>
-            <a:pPr algn="ctr"/>
-            <a:endParaRPr lang="en-US" sz="6000" dirty="0">
-              <a:latin typeface="Arial Black" charset="0"/>
-              <a:ea typeface="Arial Black" charset="0"/>
-              <a:cs typeface="Arial Black" charset="0"/>
-            </a:endParaRPr>
-          </a:p>
-          <a:p>
-            <a:pPr algn="ctr"/>
-            <a:r>
-              <a:rPr lang="en-US" sz="6000" dirty="0">
-                <a:latin typeface="Arial Black" charset="0"/>
-                <a:ea typeface="Arial Black" charset="0"/>
-                <a:cs typeface="Arial Black" charset="0"/>
-              </a:rPr>
-              <a:t>Let’s Play with Code</a:t>
-            </a:r>
-          </a:p>
-        </p:txBody>
-      </p:sp>
-    </p:spTree>
-    <p:extLst>
-      <p:ext uri="{BB962C8B-B14F-4D97-AF65-F5344CB8AC3E}">
-        <p14:creationId xmlns:p14="http://schemas.microsoft.com/office/powerpoint/2010/main" val="2550280343"/>
-      </p:ext>
-    </p:extLst>
-  </p:cSld>
-  <p:clrMapOvr>
-    <a:masterClrMapping/>
-  </p:clrMapOvr>
-</p:sld>
-</file>
-
 <file path=ppt/slides/slide2.xml><?xml version="1.0" encoding="utf-8"?>
 <p:sld xmlns:a="http://schemas.openxmlformats.org/drawingml/2006/main" xmlns:r="http://schemas.openxmlformats.org/officeDocument/2006/relationships" xmlns:p="http://schemas.openxmlformats.org/presentationml/2006/main">
   <p:cSld>
@@ -4200,7 +3290,12 @@
             <p:ph idx="1"/>
           </p:nvPr>
         </p:nvSpPr>
-        <p:spPr/>
+        <p:spPr>
+          <a:xfrm>
+            <a:off x="838200" y="1489959"/>
+            <a:ext cx="10515600" cy="4482578"/>
+          </a:xfrm>
+        </p:spPr>
         <p:txBody>
           <a:bodyPr>
             <a:normAutofit/>
@@ -4210,64 +3305,143 @@
             <a:pPr marL="0" indent="0">
               <a:buNone/>
             </a:pPr>
-            <a:endParaRPr lang="en-US" sz="2000" b="1" dirty="0">
-              <a:latin typeface="Arial Black" panose="020B0604020202020204" pitchFamily="34" charset="0"/>
+            <a:endParaRPr lang="en-US" sz="2000" dirty="0">
+              <a:latin typeface="Arial Black" charset="0"/>
               <a:ea typeface="Arial Black" charset="0"/>
-              <a:cs typeface="Arial Black" panose="020B0604020202020204" pitchFamily="34" charset="0"/>
+              <a:cs typeface="Arial Black" charset="0"/>
+              <a:hlinkClick r:id="rId2"/>
             </a:endParaRPr>
           </a:p>
           <a:p>
             <a:r>
               <a:rPr lang="en-US" sz="2000" b="1" dirty="0">
                 <a:latin typeface="Arial Black" panose="020B0604020202020204" pitchFamily="34" charset="0"/>
-                <a:ea typeface="Arial Black" charset="0"/>
                 <a:cs typeface="Arial Black" panose="020B0604020202020204" pitchFamily="34" charset="0"/>
-                <a:hlinkClick r:id="rId2"/>
-              </a:rPr>
-              <a:t>Youtube</a:t>
-            </a:r>
-            <a:endParaRPr lang="en-US" sz="2000" b="1" dirty="0">
-              <a:latin typeface="Arial Black" panose="020B0604020202020204" pitchFamily="34" charset="0"/>
-              <a:ea typeface="Arial Black" charset="0"/>
-              <a:cs typeface="Arial Black" panose="020B0604020202020204" pitchFamily="34" charset="0"/>
-            </a:endParaRPr>
-          </a:p>
-          <a:p>
-            <a:endParaRPr lang="en-US" sz="2000" b="1" dirty="0">
-              <a:latin typeface="Arial Black" panose="020B0604020202020204" pitchFamily="34" charset="0"/>
-              <a:ea typeface="Arial Black" charset="0"/>
-              <a:cs typeface="Arial Black" panose="020B0604020202020204" pitchFamily="34" charset="0"/>
-            </a:endParaRPr>
-          </a:p>
-          <a:p>
+                <a:hlinkClick r:id="rId3"/>
+              </a:rPr>
+              <a:t>Chapter 9</a:t>
+            </a:r>
+            <a:r>
+              <a:rPr lang="en-US" sz="2000" b="1" dirty="0" smtClean="0">
+                <a:latin typeface="Arial Black" panose="020B0604020202020204" pitchFamily="34" charset="0"/>
+                <a:cs typeface="Arial Black" panose="020B0604020202020204" pitchFamily="34" charset="0"/>
+                <a:hlinkClick r:id="rId3"/>
+              </a:rPr>
+              <a:t> </a:t>
+            </a:r>
             <a:r>
               <a:rPr lang="en-US" sz="2000" b="1" dirty="0">
                 <a:latin typeface="Arial Black" panose="020B0604020202020204" pitchFamily="34" charset="0"/>
                 <a:ea typeface="Arial Black" charset="0"/>
                 <a:cs typeface="Arial Black" panose="020B0604020202020204" pitchFamily="34" charset="0"/>
-                <a:hlinkClick r:id="rId3"/>
+                <a:hlinkClick r:id="rId4"/>
+              </a:rPr>
+              <a:t>(</a:t>
+            </a:r>
+            <a:r>
+              <a:rPr lang="en-US" sz="2000" b="1" dirty="0" smtClean="0">
+                <a:latin typeface="Arial Black" panose="020B0604020202020204" pitchFamily="34" charset="0"/>
+                <a:ea typeface="Arial Black" charset="0"/>
+                <a:cs typeface="Arial Black" panose="020B0604020202020204" pitchFamily="34" charset="0"/>
+                <a:hlinkClick r:id="rId4"/>
+              </a:rPr>
+              <a:t>O'Reilly) of Hands-On ML</a:t>
+            </a:r>
+            <a:endParaRPr lang="en-US" sz="2000" dirty="0">
+              <a:latin typeface="Arial Black" charset="0"/>
+              <a:ea typeface="Arial Black" charset="0"/>
+              <a:cs typeface="Arial Black" charset="0"/>
+            </a:endParaRPr>
+          </a:p>
+          <a:p>
+            <a:endParaRPr lang="en-US" sz="2000" dirty="0">
+              <a:latin typeface="Arial Black" charset="0"/>
+              <a:ea typeface="Arial Black" charset="0"/>
+              <a:cs typeface="Arial Black" charset="0"/>
+            </a:endParaRPr>
+          </a:p>
+          <a:p>
+            <a:r>
+              <a:rPr lang="en-US" sz="2000" dirty="0" smtClean="0">
+                <a:latin typeface="Arial Black" charset="0"/>
+                <a:ea typeface="Arial Black" charset="0"/>
+                <a:cs typeface="Arial Black" charset="0"/>
+                <a:hlinkClick r:id="rId5"/>
+              </a:rPr>
+              <a:t>Youtube</a:t>
+            </a:r>
+            <a:endParaRPr lang="en-US" sz="2000" dirty="0" smtClean="0">
+              <a:latin typeface="Arial Black" charset="0"/>
+              <a:ea typeface="Arial Black" charset="0"/>
+              <a:cs typeface="Arial Black" charset="0"/>
+            </a:endParaRPr>
+          </a:p>
+          <a:p>
+            <a:endParaRPr lang="en-US" sz="2000" dirty="0">
+              <a:latin typeface="Arial Black" charset="0"/>
+              <a:ea typeface="Arial Black" charset="0"/>
+              <a:cs typeface="Arial Black" charset="0"/>
+            </a:endParaRPr>
+          </a:p>
+          <a:p>
+            <a:r>
+              <a:rPr lang="en-US" sz="2000" dirty="0">
+                <a:latin typeface="Arial Black" charset="0"/>
+                <a:ea typeface="Arial Black" charset="0"/>
+                <a:cs typeface="Arial Black" charset="0"/>
+                <a:hlinkClick r:id="rId6"/>
               </a:rPr>
               <a:t>Code</a:t>
             </a:r>
-            <a:endParaRPr lang="en-US" sz="2000" b="1" dirty="0">
-              <a:latin typeface="Arial Black" panose="020B0604020202020204" pitchFamily="34" charset="0"/>
+            <a:endParaRPr lang="en-US" sz="2000" dirty="0">
+              <a:latin typeface="Arial Black" charset="0"/>
               <a:ea typeface="Arial Black" charset="0"/>
-              <a:cs typeface="Arial Black" panose="020B0604020202020204" pitchFamily="34" charset="0"/>
-              <a:hlinkClick r:id="rId4"/>
+              <a:cs typeface="Arial Black" charset="0"/>
+              <a:hlinkClick r:id="rId7"/>
             </a:endParaRPr>
           </a:p>
         </p:txBody>
       </p:sp>
+      <p:pic>
+        <p:nvPicPr>
+          <p:cNvPr id="6" name="Picture 5"/>
+          <p:cNvPicPr>
+            <a:picLocks noChangeAspect="1"/>
+          </p:cNvPicPr>
+          <p:nvPr/>
+        </p:nvPicPr>
+        <p:blipFill>
+          <a:blip r:embed="rId8"/>
+          <a:srcRect/>
+          <a:stretch/>
+        </p:blipFill>
+        <p:spPr>
+          <a:xfrm>
+            <a:off x="6981714" y="92806"/>
+            <a:ext cx="5051330" cy="6629270"/>
+          </a:xfrm>
+          <a:prstGeom prst="rect">
+            <a:avLst/>
+          </a:prstGeom>
+        </p:spPr>
+      </p:pic>
     </p:spTree>
     <p:extLst>
       <p:ext uri="{BB962C8B-B14F-4D97-AF65-F5344CB8AC3E}">
-        <p14:creationId xmlns:p14="http://schemas.microsoft.com/office/powerpoint/2010/main" val="4044882007"/>
+        <p14:creationId xmlns:p14="http://schemas.microsoft.com/office/powerpoint/2010/main" val="111376805"/>
       </p:ext>
     </p:extLst>
   </p:cSld>
   <p:clrMapOvr>
     <a:masterClrMapping/>
   </p:clrMapOvr>
+  <p:timing>
+    <p:tnLst>
+      <p:par>
+        <p:cTn id="1" dur="indefinite" restart="never" nodeType="tmRoot"/>
+      </p:par>
+    </p:tnLst>
+  </p:timing>
 </p:sld>
 </file>
 
@@ -4585,8 +3759,8 @@
         </p:blipFill>
         <p:spPr>
           <a:xfrm>
-            <a:off x="442634" y="860612"/>
-            <a:ext cx="11004174" cy="5282004"/>
+            <a:off x="1202266" y="990141"/>
+            <a:ext cx="9922933" cy="4763008"/>
           </a:xfrm>
           <a:prstGeom prst="rect">
             <a:avLst/>
@@ -4623,40 +3797,239 @@
           <a:chExt cx="0" cy="0"/>
         </a:xfrm>
       </p:grpSpPr>
-      <p:pic>
-        <p:nvPicPr>
-          <p:cNvPr id="3" name="Picture 2" descr="A screenshot of a cell phone&#10;&#10;Description automatically generated">
-            <a:extLst>
-              <a:ext uri="{FF2B5EF4-FFF2-40B4-BE49-F238E27FC236}">
-                <a16:creationId xmlns="" xmlns:a16="http://schemas.microsoft.com/office/drawing/2014/main" id="{955D5564-BA59-F948-BF1D-059787083C6D}"/>
-              </a:ext>
-            </a:extLst>
-          </p:cNvPr>
-          <p:cNvPicPr>
-            <a:picLocks noChangeAspect="1"/>
-          </p:cNvPicPr>
-          <p:nvPr/>
-        </p:nvPicPr>
-        <p:blipFill>
-          <a:blip r:embed="rId2"/>
-          <a:stretch>
-            <a:fillRect/>
-          </a:stretch>
-        </p:blipFill>
+      <p:sp>
+        <p:nvSpPr>
+          <p:cNvPr id="2" name="Title 1"/>
+          <p:cNvSpPr>
+            <a:spLocks noGrp="1"/>
+          </p:cNvSpPr>
+          <p:nvPr>
+            <p:ph type="ctrTitle"/>
+          </p:nvPr>
+        </p:nvSpPr>
         <p:spPr>
           <a:xfrm>
-            <a:off x="802479" y="1452281"/>
-            <a:ext cx="10750376" cy="3894269"/>
+            <a:off x="3657600" y="2977179"/>
+            <a:ext cx="4876800" cy="903642"/>
           </a:xfrm>
-          <a:prstGeom prst="rect">
-            <a:avLst/>
-          </a:prstGeom>
         </p:spPr>
-      </p:pic>
+        <p:txBody>
+          <a:bodyPr>
+            <a:normAutofit fontScale="90000"/>
+          </a:bodyPr>
+          <a:lstStyle/>
+          <a:p>
+            <a:r>
+              <a:rPr lang="en-US" sz="4000" dirty="0">
+                <a:latin typeface="Arial Black" charset="0"/>
+                <a:ea typeface="Arial Black" charset="0"/>
+                <a:cs typeface="Arial Black" charset="0"/>
+              </a:rPr>
+              <a:t/>
+            </a:r>
+            <a:br>
+              <a:rPr lang="en-US" sz="4000" dirty="0">
+                <a:latin typeface="Arial Black" charset="0"/>
+                <a:ea typeface="Arial Black" charset="0"/>
+                <a:cs typeface="Arial Black" charset="0"/>
+              </a:rPr>
+            </a:br>
+            <a:r>
+              <a:rPr lang="en-US" sz="4000" dirty="0">
+                <a:latin typeface="Arial Black" charset="0"/>
+                <a:ea typeface="Arial Black" charset="0"/>
+                <a:cs typeface="Arial Black" charset="0"/>
+              </a:rPr>
+              <a:t/>
+            </a:r>
+            <a:br>
+              <a:rPr lang="en-US" sz="4000" dirty="0">
+                <a:latin typeface="Arial Black" charset="0"/>
+                <a:ea typeface="Arial Black" charset="0"/>
+                <a:cs typeface="Arial Black" charset="0"/>
+              </a:rPr>
+            </a:br>
+            <a:r>
+              <a:rPr lang="en-US" sz="4000" dirty="0">
+                <a:latin typeface="Arial Black" charset="0"/>
+                <a:ea typeface="Arial Black" charset="0"/>
+                <a:cs typeface="Arial Black" charset="0"/>
+              </a:rPr>
+              <a:t/>
+            </a:r>
+            <a:br>
+              <a:rPr lang="en-US" sz="4000" dirty="0">
+                <a:latin typeface="Arial Black" charset="0"/>
+                <a:ea typeface="Arial Black" charset="0"/>
+                <a:cs typeface="Arial Black" charset="0"/>
+              </a:rPr>
+            </a:br>
+            <a:r>
+              <a:rPr lang="en-US" sz="4000" dirty="0">
+                <a:latin typeface="Arial Black" charset="0"/>
+                <a:ea typeface="Arial Black" charset="0"/>
+                <a:cs typeface="Arial Black" charset="0"/>
+              </a:rPr>
+              <a:t/>
+            </a:r>
+            <a:br>
+              <a:rPr lang="en-US" sz="4000" dirty="0">
+                <a:latin typeface="Arial Black" charset="0"/>
+                <a:ea typeface="Arial Black" charset="0"/>
+                <a:cs typeface="Arial Black" charset="0"/>
+              </a:rPr>
+            </a:br>
+            <a:r>
+              <a:rPr lang="en-US" sz="4000" dirty="0">
+                <a:latin typeface="Arial Black" charset="0"/>
+                <a:ea typeface="Arial Black" charset="0"/>
+                <a:cs typeface="Arial Black" charset="0"/>
+              </a:rPr>
+              <a:t/>
+            </a:r>
+            <a:br>
+              <a:rPr lang="en-US" sz="4000" dirty="0">
+                <a:latin typeface="Arial Black" charset="0"/>
+                <a:ea typeface="Arial Black" charset="0"/>
+                <a:cs typeface="Arial Black" charset="0"/>
+              </a:rPr>
+            </a:br>
+            <a:r>
+              <a:rPr lang="en-US" sz="4000" dirty="0">
+                <a:latin typeface="Arial Black" charset="0"/>
+                <a:ea typeface="Arial Black" charset="0"/>
+                <a:cs typeface="Arial Black" charset="0"/>
+              </a:rPr>
+              <a:t/>
+            </a:r>
+            <a:br>
+              <a:rPr lang="en-US" sz="4000" dirty="0">
+                <a:latin typeface="Arial Black" charset="0"/>
+                <a:ea typeface="Arial Black" charset="0"/>
+                <a:cs typeface="Arial Black" charset="0"/>
+              </a:rPr>
+            </a:br>
+            <a:r>
+              <a:rPr lang="en-US" sz="4000" dirty="0">
+                <a:latin typeface="Arial Black" charset="0"/>
+                <a:ea typeface="Arial Black" charset="0"/>
+                <a:cs typeface="Arial Black" charset="0"/>
+              </a:rPr>
+              <a:t/>
+            </a:r>
+            <a:br>
+              <a:rPr lang="en-US" sz="4000" dirty="0">
+                <a:latin typeface="Arial Black" charset="0"/>
+                <a:ea typeface="Arial Black" charset="0"/>
+                <a:cs typeface="Arial Black" charset="0"/>
+              </a:rPr>
+            </a:br>
+            <a:r>
+              <a:rPr lang="en-US" sz="4000" dirty="0">
+                <a:latin typeface="Arial Black" charset="0"/>
+                <a:ea typeface="Arial Black" charset="0"/>
+                <a:cs typeface="Arial Black" charset="0"/>
+              </a:rPr>
+              <a:t/>
+            </a:r>
+            <a:br>
+              <a:rPr lang="en-US" sz="4000" dirty="0">
+                <a:latin typeface="Arial Black" charset="0"/>
+                <a:ea typeface="Arial Black" charset="0"/>
+                <a:cs typeface="Arial Black" charset="0"/>
+              </a:rPr>
+            </a:br>
+            <a:r>
+              <a:rPr lang="en-US" sz="4000" dirty="0">
+                <a:latin typeface="Arial Black" charset="0"/>
+                <a:ea typeface="Arial Black" charset="0"/>
+                <a:cs typeface="Arial Black" charset="0"/>
+              </a:rPr>
+              <a:t/>
+            </a:r>
+            <a:br>
+              <a:rPr lang="en-US" sz="4000" dirty="0">
+                <a:latin typeface="Arial Black" charset="0"/>
+                <a:ea typeface="Arial Black" charset="0"/>
+                <a:cs typeface="Arial Black" charset="0"/>
+              </a:rPr>
+            </a:br>
+            <a:r>
+              <a:rPr lang="en-US" sz="4000" dirty="0">
+                <a:latin typeface="Arial Black" charset="0"/>
+                <a:ea typeface="Arial Black" charset="0"/>
+                <a:cs typeface="Arial Black" charset="0"/>
+              </a:rPr>
+              <a:t/>
+            </a:r>
+            <a:br>
+              <a:rPr lang="en-US" sz="4000" dirty="0">
+                <a:latin typeface="Arial Black" charset="0"/>
+                <a:ea typeface="Arial Black" charset="0"/>
+                <a:cs typeface="Arial Black" charset="0"/>
+              </a:rPr>
+            </a:br>
+            <a:r>
+              <a:rPr lang="en-US" sz="4000" dirty="0">
+                <a:latin typeface="Arial Black" charset="0"/>
+                <a:ea typeface="Arial Black" charset="0"/>
+                <a:cs typeface="Arial Black" charset="0"/>
+              </a:rPr>
+              <a:t/>
+            </a:r>
+            <a:br>
+              <a:rPr lang="en-US" sz="4000" dirty="0">
+                <a:latin typeface="Arial Black" charset="0"/>
+                <a:ea typeface="Arial Black" charset="0"/>
+                <a:cs typeface="Arial Black" charset="0"/>
+              </a:rPr>
+            </a:br>
+            <a:r>
+              <a:rPr lang="en-US" sz="4400" dirty="0">
+                <a:latin typeface="Arial Black" charset="0"/>
+                <a:ea typeface="Arial Black" charset="0"/>
+                <a:cs typeface="Arial Black" charset="0"/>
+              </a:rPr>
+              <a:t/>
+            </a:r>
+            <a:br>
+              <a:rPr lang="en-US" sz="4400" dirty="0">
+                <a:latin typeface="Arial Black" charset="0"/>
+                <a:ea typeface="Arial Black" charset="0"/>
+                <a:cs typeface="Arial Black" charset="0"/>
+              </a:rPr>
+            </a:br>
+            <a:r>
+              <a:rPr lang="en-US" sz="6700" dirty="0">
+                <a:latin typeface="Arial Black" charset="0"/>
+                <a:ea typeface="Arial Black" charset="0"/>
+                <a:cs typeface="Arial Black" charset="0"/>
+              </a:rPr>
+              <a:t> </a:t>
+            </a:r>
+            <a:br>
+              <a:rPr lang="en-US" sz="6700" dirty="0">
+                <a:latin typeface="Arial Black" charset="0"/>
+                <a:ea typeface="Arial Black" charset="0"/>
+                <a:cs typeface="Arial Black" charset="0"/>
+              </a:rPr>
+            </a:br>
+            <a:r>
+              <a:rPr lang="en-US" sz="6700" dirty="0">
+                <a:latin typeface="Arial Black" charset="0"/>
+                <a:ea typeface="Arial Black" charset="0"/>
+                <a:cs typeface="Arial Black" charset="0"/>
+              </a:rPr>
+              <a:t>Graph</a:t>
+            </a:r>
+            <a:endParaRPr lang="en-US" dirty="0"/>
+          </a:p>
+        </p:txBody>
+      </p:sp>
     </p:spTree>
     <p:extLst>
       <p:ext uri="{BB962C8B-B14F-4D97-AF65-F5344CB8AC3E}">
-        <p14:creationId xmlns:p14="http://schemas.microsoft.com/office/powerpoint/2010/main" val="1062479414"/>
+        <p14:creationId xmlns:p14="http://schemas.microsoft.com/office/powerpoint/2010/main" val="1200525402"/>
       </p:ext>
     </p:extLst>
   </p:cSld>
@@ -4683,224 +4056,40 @@
           <a:chExt cx="0" cy="0"/>
         </a:xfrm>
       </p:grpSpPr>
-      <p:sp>
-        <p:nvSpPr>
-          <p:cNvPr id="2" name="Title 1"/>
-          <p:cNvSpPr>
-            <a:spLocks noGrp="1"/>
-          </p:cNvSpPr>
-          <p:nvPr>
-            <p:ph type="ctrTitle"/>
-          </p:nvPr>
-        </p:nvSpPr>
+      <p:pic>
+        <p:nvPicPr>
+          <p:cNvPr id="4" name="Picture 3"/>
+          <p:cNvPicPr>
+            <a:picLocks noChangeAspect="1"/>
+          </p:cNvPicPr>
+          <p:nvPr/>
+        </p:nvPicPr>
+        <p:blipFill>
+          <a:blip r:embed="rId2">
+            <a:extLst>
+              <a:ext uri="{28A0092B-C50C-407E-A947-70E740481C1C}">
+                <a14:useLocalDpi xmlns:a14="http://schemas.microsoft.com/office/drawing/2010/main" val="0"/>
+              </a:ext>
+            </a:extLst>
+          </a:blip>
+          <a:stretch>
+            <a:fillRect/>
+          </a:stretch>
+        </p:blipFill>
         <p:spPr>
           <a:xfrm>
-            <a:off x="3657600" y="2977179"/>
-            <a:ext cx="4876800" cy="903642"/>
+            <a:off x="70815" y="1676399"/>
+            <a:ext cx="11785067" cy="3572933"/>
           </a:xfrm>
+          <a:prstGeom prst="rect">
+            <a:avLst/>
+          </a:prstGeom>
         </p:spPr>
-        <p:txBody>
-          <a:bodyPr>
-            <a:normAutofit fontScale="90000"/>
-          </a:bodyPr>
-          <a:lstStyle/>
-          <a:p>
-            <a:r>
-              <a:rPr lang="en-US" sz="4000" dirty="0">
-                <a:latin typeface="Arial Black" charset="0"/>
-                <a:ea typeface="Arial Black" charset="0"/>
-                <a:cs typeface="Arial Black" charset="0"/>
-              </a:rPr>
-              <a:t/>
-            </a:r>
-            <a:br>
-              <a:rPr lang="en-US" sz="4000" dirty="0">
-                <a:latin typeface="Arial Black" charset="0"/>
-                <a:ea typeface="Arial Black" charset="0"/>
-                <a:cs typeface="Arial Black" charset="0"/>
-              </a:rPr>
-            </a:br>
-            <a:r>
-              <a:rPr lang="en-US" sz="4000" dirty="0">
-                <a:latin typeface="Arial Black" charset="0"/>
-                <a:ea typeface="Arial Black" charset="0"/>
-                <a:cs typeface="Arial Black" charset="0"/>
-              </a:rPr>
-              <a:t/>
-            </a:r>
-            <a:br>
-              <a:rPr lang="en-US" sz="4000" dirty="0">
-                <a:latin typeface="Arial Black" charset="0"/>
-                <a:ea typeface="Arial Black" charset="0"/>
-                <a:cs typeface="Arial Black" charset="0"/>
-              </a:rPr>
-            </a:br>
-            <a:r>
-              <a:rPr lang="en-US" sz="4000" dirty="0">
-                <a:latin typeface="Arial Black" charset="0"/>
-                <a:ea typeface="Arial Black" charset="0"/>
-                <a:cs typeface="Arial Black" charset="0"/>
-              </a:rPr>
-              <a:t/>
-            </a:r>
-            <a:br>
-              <a:rPr lang="en-US" sz="4000" dirty="0">
-                <a:latin typeface="Arial Black" charset="0"/>
-                <a:ea typeface="Arial Black" charset="0"/>
-                <a:cs typeface="Arial Black" charset="0"/>
-              </a:rPr>
-            </a:br>
-            <a:r>
-              <a:rPr lang="en-US" sz="4000" dirty="0">
-                <a:latin typeface="Arial Black" charset="0"/>
-                <a:ea typeface="Arial Black" charset="0"/>
-                <a:cs typeface="Arial Black" charset="0"/>
-              </a:rPr>
-              <a:t/>
-            </a:r>
-            <a:br>
-              <a:rPr lang="en-US" sz="4000" dirty="0">
-                <a:latin typeface="Arial Black" charset="0"/>
-                <a:ea typeface="Arial Black" charset="0"/>
-                <a:cs typeface="Arial Black" charset="0"/>
-              </a:rPr>
-            </a:br>
-            <a:r>
-              <a:rPr lang="en-US" sz="4000" dirty="0">
-                <a:latin typeface="Arial Black" charset="0"/>
-                <a:ea typeface="Arial Black" charset="0"/>
-                <a:cs typeface="Arial Black" charset="0"/>
-              </a:rPr>
-              <a:t/>
-            </a:r>
-            <a:br>
-              <a:rPr lang="en-US" sz="4000" dirty="0">
-                <a:latin typeface="Arial Black" charset="0"/>
-                <a:ea typeface="Arial Black" charset="0"/>
-                <a:cs typeface="Arial Black" charset="0"/>
-              </a:rPr>
-            </a:br>
-            <a:r>
-              <a:rPr lang="en-US" sz="4000" dirty="0">
-                <a:latin typeface="Arial Black" charset="0"/>
-                <a:ea typeface="Arial Black" charset="0"/>
-                <a:cs typeface="Arial Black" charset="0"/>
-              </a:rPr>
-              <a:t/>
-            </a:r>
-            <a:br>
-              <a:rPr lang="en-US" sz="4000" dirty="0">
-                <a:latin typeface="Arial Black" charset="0"/>
-                <a:ea typeface="Arial Black" charset="0"/>
-                <a:cs typeface="Arial Black" charset="0"/>
-              </a:rPr>
-            </a:br>
-            <a:r>
-              <a:rPr lang="en-US" sz="4000" dirty="0">
-                <a:latin typeface="Arial Black" charset="0"/>
-                <a:ea typeface="Arial Black" charset="0"/>
-                <a:cs typeface="Arial Black" charset="0"/>
-              </a:rPr>
-              <a:t/>
-            </a:r>
-            <a:br>
-              <a:rPr lang="en-US" sz="4000" dirty="0">
-                <a:latin typeface="Arial Black" charset="0"/>
-                <a:ea typeface="Arial Black" charset="0"/>
-                <a:cs typeface="Arial Black" charset="0"/>
-              </a:rPr>
-            </a:br>
-            <a:r>
-              <a:rPr lang="en-US" sz="4000" dirty="0">
-                <a:latin typeface="Arial Black" charset="0"/>
-                <a:ea typeface="Arial Black" charset="0"/>
-                <a:cs typeface="Arial Black" charset="0"/>
-              </a:rPr>
-              <a:t/>
-            </a:r>
-            <a:br>
-              <a:rPr lang="en-US" sz="4000" dirty="0">
-                <a:latin typeface="Arial Black" charset="0"/>
-                <a:ea typeface="Arial Black" charset="0"/>
-                <a:cs typeface="Arial Black" charset="0"/>
-              </a:rPr>
-            </a:br>
-            <a:r>
-              <a:rPr lang="en-US" sz="4000" dirty="0">
-                <a:latin typeface="Arial Black" charset="0"/>
-                <a:ea typeface="Arial Black" charset="0"/>
-                <a:cs typeface="Arial Black" charset="0"/>
-              </a:rPr>
-              <a:t/>
-            </a:r>
-            <a:br>
-              <a:rPr lang="en-US" sz="4000" dirty="0">
-                <a:latin typeface="Arial Black" charset="0"/>
-                <a:ea typeface="Arial Black" charset="0"/>
-                <a:cs typeface="Arial Black" charset="0"/>
-              </a:rPr>
-            </a:br>
-            <a:r>
-              <a:rPr lang="en-US" sz="4000" dirty="0">
-                <a:latin typeface="Arial Black" charset="0"/>
-                <a:ea typeface="Arial Black" charset="0"/>
-                <a:cs typeface="Arial Black" charset="0"/>
-              </a:rPr>
-              <a:t/>
-            </a:r>
-            <a:br>
-              <a:rPr lang="en-US" sz="4000" dirty="0">
-                <a:latin typeface="Arial Black" charset="0"/>
-                <a:ea typeface="Arial Black" charset="0"/>
-                <a:cs typeface="Arial Black" charset="0"/>
-              </a:rPr>
-            </a:br>
-            <a:r>
-              <a:rPr lang="en-US" sz="4000" dirty="0">
-                <a:latin typeface="Arial Black" charset="0"/>
-                <a:ea typeface="Arial Black" charset="0"/>
-                <a:cs typeface="Arial Black" charset="0"/>
-              </a:rPr>
-              <a:t/>
-            </a:r>
-            <a:br>
-              <a:rPr lang="en-US" sz="4000" dirty="0">
-                <a:latin typeface="Arial Black" charset="0"/>
-                <a:ea typeface="Arial Black" charset="0"/>
-                <a:cs typeface="Arial Black" charset="0"/>
-              </a:rPr>
-            </a:br>
-            <a:r>
-              <a:rPr lang="en-US" sz="4400" dirty="0">
-                <a:latin typeface="Arial Black" charset="0"/>
-                <a:ea typeface="Arial Black" charset="0"/>
-                <a:cs typeface="Arial Black" charset="0"/>
-              </a:rPr>
-              <a:t/>
-            </a:r>
-            <a:br>
-              <a:rPr lang="en-US" sz="4400" dirty="0">
-                <a:latin typeface="Arial Black" charset="0"/>
-                <a:ea typeface="Arial Black" charset="0"/>
-                <a:cs typeface="Arial Black" charset="0"/>
-              </a:rPr>
-            </a:br>
-            <a:r>
-              <a:rPr lang="en-US" sz="6700" dirty="0">
-                <a:latin typeface="Arial Black" charset="0"/>
-                <a:ea typeface="Arial Black" charset="0"/>
-                <a:cs typeface="Arial Black" charset="0"/>
-              </a:rPr>
-              <a:t> Data</a:t>
-            </a:r>
-            <a:endParaRPr lang="en-US" dirty="0"/>
-          </a:p>
-        </p:txBody>
-      </p:sp>
+      </p:pic>
     </p:spTree>
     <p:extLst>
       <p:ext uri="{BB962C8B-B14F-4D97-AF65-F5344CB8AC3E}">
-        <p14:creationId xmlns:p14="http://schemas.microsoft.com/office/powerpoint/2010/main" val="2937575667"/>
+        <p14:creationId xmlns:p14="http://schemas.microsoft.com/office/powerpoint/2010/main" val="595133815"/>
       </p:ext>
     </p:extLst>
   </p:cSld>
@@ -4927,40 +4116,239 @@
           <a:chExt cx="0" cy="0"/>
         </a:xfrm>
       </p:grpSpPr>
-      <p:pic>
-        <p:nvPicPr>
-          <p:cNvPr id="5" name="Picture 4">
-            <a:extLst>
-              <a:ext uri="{FF2B5EF4-FFF2-40B4-BE49-F238E27FC236}">
-                <a16:creationId xmlns="" xmlns:a16="http://schemas.microsoft.com/office/drawing/2014/main" id="{1FBDEC81-6950-344C-B42F-A8EBE2922FF2}"/>
-              </a:ext>
-            </a:extLst>
-          </p:cNvPr>
-          <p:cNvPicPr>
-            <a:picLocks noChangeAspect="1"/>
-          </p:cNvPicPr>
-          <p:nvPr/>
-        </p:nvPicPr>
-        <p:blipFill>
-          <a:blip r:embed="rId2"/>
-          <a:stretch>
-            <a:fillRect/>
-          </a:stretch>
-        </p:blipFill>
+      <p:sp>
+        <p:nvSpPr>
+          <p:cNvPr id="2" name="Title 1"/>
+          <p:cNvSpPr>
+            <a:spLocks noGrp="1"/>
+          </p:cNvSpPr>
+          <p:nvPr>
+            <p:ph type="ctrTitle"/>
+          </p:nvPr>
+        </p:nvSpPr>
         <p:spPr>
           <a:xfrm>
-            <a:off x="127000" y="2984500"/>
-            <a:ext cx="11938000" cy="889000"/>
+            <a:off x="4093284" y="2961042"/>
+            <a:ext cx="4005431" cy="935915"/>
           </a:xfrm>
-          <a:prstGeom prst="rect">
-            <a:avLst/>
-          </a:prstGeom>
         </p:spPr>
-      </p:pic>
+        <p:txBody>
+          <a:bodyPr>
+            <a:normAutofit fontScale="90000"/>
+          </a:bodyPr>
+          <a:lstStyle/>
+          <a:p>
+            <a:r>
+              <a:rPr lang="en-US" sz="4000" dirty="0">
+                <a:latin typeface="Arial Black" charset="0"/>
+                <a:ea typeface="Arial Black" charset="0"/>
+                <a:cs typeface="Arial Black" charset="0"/>
+              </a:rPr>
+              <a:t/>
+            </a:r>
+            <a:br>
+              <a:rPr lang="en-US" sz="4000" dirty="0">
+                <a:latin typeface="Arial Black" charset="0"/>
+                <a:ea typeface="Arial Black" charset="0"/>
+                <a:cs typeface="Arial Black" charset="0"/>
+              </a:rPr>
+            </a:br>
+            <a:r>
+              <a:rPr lang="en-US" sz="4000" dirty="0">
+                <a:latin typeface="Arial Black" charset="0"/>
+                <a:ea typeface="Arial Black" charset="0"/>
+                <a:cs typeface="Arial Black" charset="0"/>
+              </a:rPr>
+              <a:t/>
+            </a:r>
+            <a:br>
+              <a:rPr lang="en-US" sz="4000" dirty="0">
+                <a:latin typeface="Arial Black" charset="0"/>
+                <a:ea typeface="Arial Black" charset="0"/>
+                <a:cs typeface="Arial Black" charset="0"/>
+              </a:rPr>
+            </a:br>
+            <a:r>
+              <a:rPr lang="en-US" sz="4000" dirty="0">
+                <a:latin typeface="Arial Black" charset="0"/>
+                <a:ea typeface="Arial Black" charset="0"/>
+                <a:cs typeface="Arial Black" charset="0"/>
+              </a:rPr>
+              <a:t/>
+            </a:r>
+            <a:br>
+              <a:rPr lang="en-US" sz="4000" dirty="0">
+                <a:latin typeface="Arial Black" charset="0"/>
+                <a:ea typeface="Arial Black" charset="0"/>
+                <a:cs typeface="Arial Black" charset="0"/>
+              </a:rPr>
+            </a:br>
+            <a:r>
+              <a:rPr lang="en-US" sz="4000" dirty="0">
+                <a:latin typeface="Arial Black" charset="0"/>
+                <a:ea typeface="Arial Black" charset="0"/>
+                <a:cs typeface="Arial Black" charset="0"/>
+              </a:rPr>
+              <a:t/>
+            </a:r>
+            <a:br>
+              <a:rPr lang="en-US" sz="4000" dirty="0">
+                <a:latin typeface="Arial Black" charset="0"/>
+                <a:ea typeface="Arial Black" charset="0"/>
+                <a:cs typeface="Arial Black" charset="0"/>
+              </a:rPr>
+            </a:br>
+            <a:r>
+              <a:rPr lang="en-US" sz="4000" dirty="0">
+                <a:latin typeface="Arial Black" charset="0"/>
+                <a:ea typeface="Arial Black" charset="0"/>
+                <a:cs typeface="Arial Black" charset="0"/>
+              </a:rPr>
+              <a:t/>
+            </a:r>
+            <a:br>
+              <a:rPr lang="en-US" sz="4000" dirty="0">
+                <a:latin typeface="Arial Black" charset="0"/>
+                <a:ea typeface="Arial Black" charset="0"/>
+                <a:cs typeface="Arial Black" charset="0"/>
+              </a:rPr>
+            </a:br>
+            <a:r>
+              <a:rPr lang="en-US" sz="4000" dirty="0">
+                <a:latin typeface="Arial Black" charset="0"/>
+                <a:ea typeface="Arial Black" charset="0"/>
+                <a:cs typeface="Arial Black" charset="0"/>
+              </a:rPr>
+              <a:t/>
+            </a:r>
+            <a:br>
+              <a:rPr lang="en-US" sz="4000" dirty="0">
+                <a:latin typeface="Arial Black" charset="0"/>
+                <a:ea typeface="Arial Black" charset="0"/>
+                <a:cs typeface="Arial Black" charset="0"/>
+              </a:rPr>
+            </a:br>
+            <a:r>
+              <a:rPr lang="en-US" sz="4000" dirty="0">
+                <a:latin typeface="Arial Black" charset="0"/>
+                <a:ea typeface="Arial Black" charset="0"/>
+                <a:cs typeface="Arial Black" charset="0"/>
+              </a:rPr>
+              <a:t/>
+            </a:r>
+            <a:br>
+              <a:rPr lang="en-US" sz="4000" dirty="0">
+                <a:latin typeface="Arial Black" charset="0"/>
+                <a:ea typeface="Arial Black" charset="0"/>
+                <a:cs typeface="Arial Black" charset="0"/>
+              </a:rPr>
+            </a:br>
+            <a:r>
+              <a:rPr lang="en-US" sz="4000" dirty="0">
+                <a:latin typeface="Arial Black" charset="0"/>
+                <a:ea typeface="Arial Black" charset="0"/>
+                <a:cs typeface="Arial Black" charset="0"/>
+              </a:rPr>
+              <a:t/>
+            </a:r>
+            <a:br>
+              <a:rPr lang="en-US" sz="4000" dirty="0">
+                <a:latin typeface="Arial Black" charset="0"/>
+                <a:ea typeface="Arial Black" charset="0"/>
+                <a:cs typeface="Arial Black" charset="0"/>
+              </a:rPr>
+            </a:br>
+            <a:r>
+              <a:rPr lang="en-US" sz="4000" dirty="0">
+                <a:latin typeface="Arial Black" charset="0"/>
+                <a:ea typeface="Arial Black" charset="0"/>
+                <a:cs typeface="Arial Black" charset="0"/>
+              </a:rPr>
+              <a:t/>
+            </a:r>
+            <a:br>
+              <a:rPr lang="en-US" sz="4000" dirty="0">
+                <a:latin typeface="Arial Black" charset="0"/>
+                <a:ea typeface="Arial Black" charset="0"/>
+                <a:cs typeface="Arial Black" charset="0"/>
+              </a:rPr>
+            </a:br>
+            <a:r>
+              <a:rPr lang="en-US" sz="4000" dirty="0">
+                <a:latin typeface="Arial Black" charset="0"/>
+                <a:ea typeface="Arial Black" charset="0"/>
+                <a:cs typeface="Arial Black" charset="0"/>
+              </a:rPr>
+              <a:t/>
+            </a:r>
+            <a:br>
+              <a:rPr lang="en-US" sz="4000" dirty="0">
+                <a:latin typeface="Arial Black" charset="0"/>
+                <a:ea typeface="Arial Black" charset="0"/>
+                <a:cs typeface="Arial Black" charset="0"/>
+              </a:rPr>
+            </a:br>
+            <a:r>
+              <a:rPr lang="en-US" sz="4000" dirty="0">
+                <a:latin typeface="Arial Black" charset="0"/>
+                <a:ea typeface="Arial Black" charset="0"/>
+                <a:cs typeface="Arial Black" charset="0"/>
+              </a:rPr>
+              <a:t/>
+            </a:r>
+            <a:br>
+              <a:rPr lang="en-US" sz="4000" dirty="0">
+                <a:latin typeface="Arial Black" charset="0"/>
+                <a:ea typeface="Arial Black" charset="0"/>
+                <a:cs typeface="Arial Black" charset="0"/>
+              </a:rPr>
+            </a:br>
+            <a:r>
+              <a:rPr lang="en-US" sz="4400" dirty="0">
+                <a:latin typeface="Arial Black" charset="0"/>
+                <a:ea typeface="Arial Black" charset="0"/>
+                <a:cs typeface="Arial Black" charset="0"/>
+              </a:rPr>
+              <a:t/>
+            </a:r>
+            <a:br>
+              <a:rPr lang="en-US" sz="4400" dirty="0">
+                <a:latin typeface="Arial Black" charset="0"/>
+                <a:ea typeface="Arial Black" charset="0"/>
+                <a:cs typeface="Arial Black" charset="0"/>
+              </a:rPr>
+            </a:br>
+            <a:r>
+              <a:rPr lang="en-US" sz="6700" dirty="0">
+                <a:latin typeface="Arial Black" charset="0"/>
+                <a:ea typeface="Arial Black" charset="0"/>
+                <a:cs typeface="Arial Black" charset="0"/>
+              </a:rPr>
+              <a:t> </a:t>
+            </a:r>
+            <a:br>
+              <a:rPr lang="en-US" sz="6700" dirty="0">
+                <a:latin typeface="Arial Black" charset="0"/>
+                <a:ea typeface="Arial Black" charset="0"/>
+                <a:cs typeface="Arial Black" charset="0"/>
+              </a:rPr>
+            </a:br>
+            <a:r>
+              <a:rPr lang="en-US" sz="6700" dirty="0">
+                <a:latin typeface="Arial Black" charset="0"/>
+                <a:ea typeface="Arial Black" charset="0"/>
+                <a:cs typeface="Arial Black" charset="0"/>
+              </a:rPr>
+              <a:t>Session</a:t>
+            </a:r>
+            <a:endParaRPr lang="en-US" dirty="0"/>
+          </a:p>
+        </p:txBody>
+      </p:sp>
     </p:spTree>
     <p:extLst>
       <p:ext uri="{BB962C8B-B14F-4D97-AF65-F5344CB8AC3E}">
-        <p14:creationId xmlns:p14="http://schemas.microsoft.com/office/powerpoint/2010/main" val="2098378327"/>
+        <p14:creationId xmlns:p14="http://schemas.microsoft.com/office/powerpoint/2010/main" val="356330295"/>
       </p:ext>
     </p:extLst>
   </p:cSld>
@@ -4987,239 +4375,40 @@
           <a:chExt cx="0" cy="0"/>
         </a:xfrm>
       </p:grpSpPr>
-      <p:sp>
-        <p:nvSpPr>
-          <p:cNvPr id="2" name="Title 1"/>
-          <p:cNvSpPr>
-            <a:spLocks noGrp="1"/>
-          </p:cNvSpPr>
-          <p:nvPr>
-            <p:ph type="ctrTitle"/>
-          </p:nvPr>
-        </p:nvSpPr>
+      <p:pic>
+        <p:nvPicPr>
+          <p:cNvPr id="2" name="Picture 1"/>
+          <p:cNvPicPr>
+            <a:picLocks noChangeAspect="1"/>
+          </p:cNvPicPr>
+          <p:nvPr/>
+        </p:nvPicPr>
+        <p:blipFill>
+          <a:blip r:embed="rId2">
+            <a:extLst>
+              <a:ext uri="{28A0092B-C50C-407E-A947-70E740481C1C}">
+                <a14:useLocalDpi xmlns:a14="http://schemas.microsoft.com/office/drawing/2010/main" val="0"/>
+              </a:ext>
+            </a:extLst>
+          </a:blip>
+          <a:stretch>
+            <a:fillRect/>
+          </a:stretch>
+        </p:blipFill>
         <p:spPr>
           <a:xfrm>
-            <a:off x="3657600" y="2977179"/>
-            <a:ext cx="4876800" cy="903642"/>
+            <a:off x="111365" y="342009"/>
+            <a:ext cx="11741968" cy="6295858"/>
           </a:xfrm>
+          <a:prstGeom prst="rect">
+            <a:avLst/>
+          </a:prstGeom>
         </p:spPr>
-        <p:txBody>
-          <a:bodyPr>
-            <a:normAutofit fontScale="90000"/>
-          </a:bodyPr>
-          <a:lstStyle/>
-          <a:p>
-            <a:r>
-              <a:rPr lang="en-US" sz="4000" dirty="0">
-                <a:latin typeface="Arial Black" charset="0"/>
-                <a:ea typeface="Arial Black" charset="0"/>
-                <a:cs typeface="Arial Black" charset="0"/>
-              </a:rPr>
-              <a:t/>
-            </a:r>
-            <a:br>
-              <a:rPr lang="en-US" sz="4000" dirty="0">
-                <a:latin typeface="Arial Black" charset="0"/>
-                <a:ea typeface="Arial Black" charset="0"/>
-                <a:cs typeface="Arial Black" charset="0"/>
-              </a:rPr>
-            </a:br>
-            <a:r>
-              <a:rPr lang="en-US" sz="4000" dirty="0">
-                <a:latin typeface="Arial Black" charset="0"/>
-                <a:ea typeface="Arial Black" charset="0"/>
-                <a:cs typeface="Arial Black" charset="0"/>
-              </a:rPr>
-              <a:t/>
-            </a:r>
-            <a:br>
-              <a:rPr lang="en-US" sz="4000" dirty="0">
-                <a:latin typeface="Arial Black" charset="0"/>
-                <a:ea typeface="Arial Black" charset="0"/>
-                <a:cs typeface="Arial Black" charset="0"/>
-              </a:rPr>
-            </a:br>
-            <a:r>
-              <a:rPr lang="en-US" sz="4000" dirty="0">
-                <a:latin typeface="Arial Black" charset="0"/>
-                <a:ea typeface="Arial Black" charset="0"/>
-                <a:cs typeface="Arial Black" charset="0"/>
-              </a:rPr>
-              <a:t/>
-            </a:r>
-            <a:br>
-              <a:rPr lang="en-US" sz="4000" dirty="0">
-                <a:latin typeface="Arial Black" charset="0"/>
-                <a:ea typeface="Arial Black" charset="0"/>
-                <a:cs typeface="Arial Black" charset="0"/>
-              </a:rPr>
-            </a:br>
-            <a:r>
-              <a:rPr lang="en-US" sz="4000" dirty="0">
-                <a:latin typeface="Arial Black" charset="0"/>
-                <a:ea typeface="Arial Black" charset="0"/>
-                <a:cs typeface="Arial Black" charset="0"/>
-              </a:rPr>
-              <a:t/>
-            </a:r>
-            <a:br>
-              <a:rPr lang="en-US" sz="4000" dirty="0">
-                <a:latin typeface="Arial Black" charset="0"/>
-                <a:ea typeface="Arial Black" charset="0"/>
-                <a:cs typeface="Arial Black" charset="0"/>
-              </a:rPr>
-            </a:br>
-            <a:r>
-              <a:rPr lang="en-US" sz="4000" dirty="0">
-                <a:latin typeface="Arial Black" charset="0"/>
-                <a:ea typeface="Arial Black" charset="0"/>
-                <a:cs typeface="Arial Black" charset="0"/>
-              </a:rPr>
-              <a:t/>
-            </a:r>
-            <a:br>
-              <a:rPr lang="en-US" sz="4000" dirty="0">
-                <a:latin typeface="Arial Black" charset="0"/>
-                <a:ea typeface="Arial Black" charset="0"/>
-                <a:cs typeface="Arial Black" charset="0"/>
-              </a:rPr>
-            </a:br>
-            <a:r>
-              <a:rPr lang="en-US" sz="4000" dirty="0">
-                <a:latin typeface="Arial Black" charset="0"/>
-                <a:ea typeface="Arial Black" charset="0"/>
-                <a:cs typeface="Arial Black" charset="0"/>
-              </a:rPr>
-              <a:t/>
-            </a:r>
-            <a:br>
-              <a:rPr lang="en-US" sz="4000" dirty="0">
-                <a:latin typeface="Arial Black" charset="0"/>
-                <a:ea typeface="Arial Black" charset="0"/>
-                <a:cs typeface="Arial Black" charset="0"/>
-              </a:rPr>
-            </a:br>
-            <a:r>
-              <a:rPr lang="en-US" sz="4000" dirty="0">
-                <a:latin typeface="Arial Black" charset="0"/>
-                <a:ea typeface="Arial Black" charset="0"/>
-                <a:cs typeface="Arial Black" charset="0"/>
-              </a:rPr>
-              <a:t/>
-            </a:r>
-            <a:br>
-              <a:rPr lang="en-US" sz="4000" dirty="0">
-                <a:latin typeface="Arial Black" charset="0"/>
-                <a:ea typeface="Arial Black" charset="0"/>
-                <a:cs typeface="Arial Black" charset="0"/>
-              </a:rPr>
-            </a:br>
-            <a:r>
-              <a:rPr lang="en-US" sz="4000" dirty="0">
-                <a:latin typeface="Arial Black" charset="0"/>
-                <a:ea typeface="Arial Black" charset="0"/>
-                <a:cs typeface="Arial Black" charset="0"/>
-              </a:rPr>
-              <a:t/>
-            </a:r>
-            <a:br>
-              <a:rPr lang="en-US" sz="4000" dirty="0">
-                <a:latin typeface="Arial Black" charset="0"/>
-                <a:ea typeface="Arial Black" charset="0"/>
-                <a:cs typeface="Arial Black" charset="0"/>
-              </a:rPr>
-            </a:br>
-            <a:r>
-              <a:rPr lang="en-US" sz="4000" dirty="0">
-                <a:latin typeface="Arial Black" charset="0"/>
-                <a:ea typeface="Arial Black" charset="0"/>
-                <a:cs typeface="Arial Black" charset="0"/>
-              </a:rPr>
-              <a:t/>
-            </a:r>
-            <a:br>
-              <a:rPr lang="en-US" sz="4000" dirty="0">
-                <a:latin typeface="Arial Black" charset="0"/>
-                <a:ea typeface="Arial Black" charset="0"/>
-                <a:cs typeface="Arial Black" charset="0"/>
-              </a:rPr>
-            </a:br>
-            <a:r>
-              <a:rPr lang="en-US" sz="4000" dirty="0">
-                <a:latin typeface="Arial Black" charset="0"/>
-                <a:ea typeface="Arial Black" charset="0"/>
-                <a:cs typeface="Arial Black" charset="0"/>
-              </a:rPr>
-              <a:t/>
-            </a:r>
-            <a:br>
-              <a:rPr lang="en-US" sz="4000" dirty="0">
-                <a:latin typeface="Arial Black" charset="0"/>
-                <a:ea typeface="Arial Black" charset="0"/>
-                <a:cs typeface="Arial Black" charset="0"/>
-              </a:rPr>
-            </a:br>
-            <a:r>
-              <a:rPr lang="en-US" sz="4000" dirty="0">
-                <a:latin typeface="Arial Black" charset="0"/>
-                <a:ea typeface="Arial Black" charset="0"/>
-                <a:cs typeface="Arial Black" charset="0"/>
-              </a:rPr>
-              <a:t/>
-            </a:r>
-            <a:br>
-              <a:rPr lang="en-US" sz="4000" dirty="0">
-                <a:latin typeface="Arial Black" charset="0"/>
-                <a:ea typeface="Arial Black" charset="0"/>
-                <a:cs typeface="Arial Black" charset="0"/>
-              </a:rPr>
-            </a:br>
-            <a:r>
-              <a:rPr lang="en-US" sz="4400" dirty="0">
-                <a:latin typeface="Arial Black" charset="0"/>
-                <a:ea typeface="Arial Black" charset="0"/>
-                <a:cs typeface="Arial Black" charset="0"/>
-              </a:rPr>
-              <a:t/>
-            </a:r>
-            <a:br>
-              <a:rPr lang="en-US" sz="4400" dirty="0">
-                <a:latin typeface="Arial Black" charset="0"/>
-                <a:ea typeface="Arial Black" charset="0"/>
-                <a:cs typeface="Arial Black" charset="0"/>
-              </a:rPr>
-            </a:br>
-            <a:r>
-              <a:rPr lang="en-US" sz="6700" dirty="0">
-                <a:latin typeface="Arial Black" charset="0"/>
-                <a:ea typeface="Arial Black" charset="0"/>
-                <a:cs typeface="Arial Black" charset="0"/>
-              </a:rPr>
-              <a:t> </a:t>
-            </a:r>
-            <a:br>
-              <a:rPr lang="en-US" sz="6700" dirty="0">
-                <a:latin typeface="Arial Black" charset="0"/>
-                <a:ea typeface="Arial Black" charset="0"/>
-                <a:cs typeface="Arial Black" charset="0"/>
-              </a:rPr>
-            </a:br>
-            <a:r>
-              <a:rPr lang="en-US" sz="6700" dirty="0">
-                <a:latin typeface="Arial Black" charset="0"/>
-                <a:ea typeface="Arial Black" charset="0"/>
-                <a:cs typeface="Arial Black" charset="0"/>
-              </a:rPr>
-              <a:t>Graph</a:t>
-            </a:r>
-            <a:endParaRPr lang="en-US" dirty="0"/>
-          </a:p>
-        </p:txBody>
-      </p:sp>
+      </p:pic>
     </p:spTree>
     <p:extLst>
       <p:ext uri="{BB962C8B-B14F-4D97-AF65-F5344CB8AC3E}">
-        <p14:creationId xmlns:p14="http://schemas.microsoft.com/office/powerpoint/2010/main" val="1200525402"/>
+        <p14:creationId xmlns:p14="http://schemas.microsoft.com/office/powerpoint/2010/main" val="1531251730"/>
       </p:ext>
     </p:extLst>
   </p:cSld>
@@ -5246,39 +4435,63 @@
           <a:chExt cx="0" cy="0"/>
         </a:xfrm>
       </p:grpSpPr>
-      <p:pic>
-        <p:nvPicPr>
-          <p:cNvPr id="3" name="Picture 2">
-            <a:extLst>
-              <a:ext uri="{FF2B5EF4-FFF2-40B4-BE49-F238E27FC236}">
-                <a16:creationId xmlns="" xmlns:a16="http://schemas.microsoft.com/office/drawing/2014/main" id="{A071B385-CC55-F54A-9738-A14ADB54BACE}"/>
-              </a:ext>
-            </a:extLst>
-          </p:cNvPr>
-          <p:cNvPicPr>
-            <a:picLocks noChangeAspect="1"/>
-          </p:cNvPicPr>
+      <p:sp>
+        <p:nvSpPr>
+          <p:cNvPr id="3" name="TextBox 2"/>
+          <p:cNvSpPr txBox="1"/>
           <p:nvPr/>
-        </p:nvPicPr>
-        <p:blipFill>
-          <a:blip r:embed="rId2"/>
-          <a:srcRect/>
-          <a:stretch/>
-        </p:blipFill>
+        </p:nvSpPr>
         <p:spPr>
           <a:xfrm>
-            <a:off x="81962" y="2000821"/>
-            <a:ext cx="11952052" cy="2829465"/>
+            <a:off x="1883799" y="1640911"/>
+            <a:ext cx="8754321" cy="2862322"/>
           </a:xfrm>
           <a:prstGeom prst="rect">
             <a:avLst/>
           </a:prstGeom>
+          <a:noFill/>
         </p:spPr>
-      </p:pic>
+        <p:txBody>
+          <a:bodyPr wrap="none" rtlCol="0">
+            <a:spAutoFit/>
+          </a:bodyPr>
+          <a:lstStyle/>
+          <a:p>
+            <a:pPr algn="ctr"/>
+            <a:r>
+              <a:rPr lang="en-US" sz="6000" dirty="0">
+                <a:latin typeface="Arial Black" charset="0"/>
+                <a:ea typeface="Arial Black" charset="0"/>
+                <a:cs typeface="Arial Black" charset="0"/>
+              </a:rPr>
+              <a:t>Now</a:t>
+            </a:r>
+          </a:p>
+          <a:p>
+            <a:pPr algn="ctr"/>
+            <a:endParaRPr lang="en-US" sz="6000" dirty="0">
+              <a:latin typeface="Arial Black" charset="0"/>
+              <a:ea typeface="Arial Black" charset="0"/>
+              <a:cs typeface="Arial Black" charset="0"/>
+            </a:endParaRPr>
+          </a:p>
+          <a:p>
+            <a:pPr algn="ctr"/>
+            <a:r>
+              <a:rPr lang="en-US" sz="6000" dirty="0">
+                <a:latin typeface="Arial Black" charset="0"/>
+                <a:ea typeface="Arial Black" charset="0"/>
+                <a:cs typeface="Arial Black" charset="0"/>
+              </a:rPr>
+              <a:t>Let’s Play with Code</a:t>
+            </a:r>
+          </a:p>
+        </p:txBody>
+      </p:sp>
     </p:spTree>
     <p:extLst>
       <p:ext uri="{BB962C8B-B14F-4D97-AF65-F5344CB8AC3E}">
-        <p14:creationId xmlns:p14="http://schemas.microsoft.com/office/powerpoint/2010/main" val="595133815"/>
+        <p14:creationId xmlns:p14="http://schemas.microsoft.com/office/powerpoint/2010/main" val="2550280343"/>
       </p:ext>
     </p:extLst>
   </p:cSld>
